--- a/기획서/문서/이벤트 연출 기획.pptx
+++ b/기획서/문서/이벤트 연출 기획.pptx
@@ -14,7 +14,7 @@
     <p:sldId id="256" r:id="rId2"/>
     <p:sldId id="257" r:id="rId3"/>
     <p:sldId id="260" r:id="rId4"/>
-    <p:sldId id="259" r:id="rId5"/>
+    <p:sldId id="261" r:id="rId5"/>
   </p:sldIdLst>
   <p:sldSz cx="17610138" cy="9906000"/>
   <p:notesSz cx="6858000" cy="9144000"/>
@@ -215,7 +215,7 @@
           <a:p>
             <a:fld id="{D686C50E-113A-4B4A-8A5C-9EE1E9DBA064}" type="datetimeFigureOut">
               <a:rPr lang="ko-KR" altLang="en-US" smtClean="0"/>
-              <a:t>2021-05-24</a:t>
+              <a:t>2021-05-30</a:t>
             </a:fld>
             <a:endParaRPr lang="ko-KR" altLang="en-US" dirty="0"/>
           </a:p>
@@ -392,7 +392,7 @@
           <a:p>
             <a:fld id="{40EC3B2E-CA71-40FC-A78E-FA212ABD0BB7}" type="datetimeFigureOut">
               <a:rPr lang="ko-KR" altLang="en-US" smtClean="0"/>
-              <a:t>2021-05-24</a:t>
+              <a:t>2021-05-30</a:t>
             </a:fld>
             <a:endParaRPr lang="ko-KR" altLang="en-US" dirty="0"/>
           </a:p>
@@ -790,7 +790,7 @@
           <a:p>
             <a:fld id="{F8CAAD71-D53C-4447-AAA3-BC9075A67E69}" type="datetimeFigureOut">
               <a:rPr lang="ko-KR" altLang="en-US" smtClean="0"/>
-              <a:t>2021-05-24</a:t>
+              <a:t>2021-05-30</a:t>
             </a:fld>
             <a:endParaRPr lang="ko-KR" altLang="en-US" dirty="0"/>
           </a:p>
@@ -960,7 +960,7 @@
           <a:p>
             <a:fld id="{F8CAAD71-D53C-4447-AAA3-BC9075A67E69}" type="datetimeFigureOut">
               <a:rPr lang="ko-KR" altLang="en-US" smtClean="0"/>
-              <a:t>2021-05-24</a:t>
+              <a:t>2021-05-30</a:t>
             </a:fld>
             <a:endParaRPr lang="ko-KR" altLang="en-US" dirty="0"/>
           </a:p>
@@ -1140,7 +1140,7 @@
           <a:p>
             <a:fld id="{F8CAAD71-D53C-4447-AAA3-BC9075A67E69}" type="datetimeFigureOut">
               <a:rPr lang="ko-KR" altLang="en-US" smtClean="0"/>
-              <a:t>2021-05-24</a:t>
+              <a:t>2021-05-30</a:t>
             </a:fld>
             <a:endParaRPr lang="ko-KR" altLang="en-US" dirty="0"/>
           </a:p>
@@ -1310,7 +1310,7 @@
           <a:p>
             <a:fld id="{F8CAAD71-D53C-4447-AAA3-BC9075A67E69}" type="datetimeFigureOut">
               <a:rPr lang="ko-KR" altLang="en-US" smtClean="0"/>
-              <a:t>2021-05-24</a:t>
+              <a:t>2021-05-30</a:t>
             </a:fld>
             <a:endParaRPr lang="ko-KR" altLang="en-US" dirty="0"/>
           </a:p>
@@ -1556,7 +1556,7 @@
           <a:p>
             <a:fld id="{F8CAAD71-D53C-4447-AAA3-BC9075A67E69}" type="datetimeFigureOut">
               <a:rPr lang="ko-KR" altLang="en-US" smtClean="0"/>
-              <a:t>2021-05-24</a:t>
+              <a:t>2021-05-30</a:t>
             </a:fld>
             <a:endParaRPr lang="ko-KR" altLang="en-US" dirty="0"/>
           </a:p>
@@ -1788,7 +1788,7 @@
           <a:p>
             <a:fld id="{F8CAAD71-D53C-4447-AAA3-BC9075A67E69}" type="datetimeFigureOut">
               <a:rPr lang="ko-KR" altLang="en-US" smtClean="0"/>
-              <a:t>2021-05-24</a:t>
+              <a:t>2021-05-30</a:t>
             </a:fld>
             <a:endParaRPr lang="ko-KR" altLang="en-US" dirty="0"/>
           </a:p>
@@ -2155,7 +2155,7 @@
           <a:p>
             <a:fld id="{F8CAAD71-D53C-4447-AAA3-BC9075A67E69}" type="datetimeFigureOut">
               <a:rPr lang="ko-KR" altLang="en-US" smtClean="0"/>
-              <a:t>2021-05-24</a:t>
+              <a:t>2021-05-30</a:t>
             </a:fld>
             <a:endParaRPr lang="ko-KR" altLang="en-US" dirty="0"/>
           </a:p>
@@ -2273,7 +2273,7 @@
           <a:p>
             <a:fld id="{F8CAAD71-D53C-4447-AAA3-BC9075A67E69}" type="datetimeFigureOut">
               <a:rPr lang="ko-KR" altLang="en-US" smtClean="0"/>
-              <a:t>2021-05-24</a:t>
+              <a:t>2021-05-30</a:t>
             </a:fld>
             <a:endParaRPr lang="ko-KR" altLang="en-US" dirty="0"/>
           </a:p>
@@ -2368,7 +2368,7 @@
           <a:p>
             <a:fld id="{F8CAAD71-D53C-4447-AAA3-BC9075A67E69}" type="datetimeFigureOut">
               <a:rPr lang="ko-KR" altLang="en-US" smtClean="0"/>
-              <a:t>2021-05-24</a:t>
+              <a:t>2021-05-30</a:t>
             </a:fld>
             <a:endParaRPr lang="ko-KR" altLang="en-US" dirty="0"/>
           </a:p>
@@ -2645,7 +2645,7 @@
           <a:p>
             <a:fld id="{F8CAAD71-D53C-4447-AAA3-BC9075A67E69}" type="datetimeFigureOut">
               <a:rPr lang="ko-KR" altLang="en-US" smtClean="0"/>
-              <a:t>2021-05-24</a:t>
+              <a:t>2021-05-30</a:t>
             </a:fld>
             <a:endParaRPr lang="ko-KR" altLang="en-US" dirty="0"/>
           </a:p>
@@ -2902,7 +2902,7 @@
           <a:p>
             <a:fld id="{F8CAAD71-D53C-4447-AAA3-BC9075A67E69}" type="datetimeFigureOut">
               <a:rPr lang="ko-KR" altLang="en-US" smtClean="0"/>
-              <a:t>2021-05-24</a:t>
+              <a:t>2021-05-30</a:t>
             </a:fld>
             <a:endParaRPr lang="ko-KR" altLang="en-US" dirty="0"/>
           </a:p>
@@ -3120,7 +3120,7 @@
           <a:p>
             <a:fld id="{F8CAAD71-D53C-4447-AAA3-BC9075A67E69}" type="datetimeFigureOut">
               <a:rPr lang="ko-KR" altLang="en-US" smtClean="0"/>
-              <a:t>2021-05-24</a:t>
+              <a:t>2021-05-30</a:t>
             </a:fld>
             <a:endParaRPr lang="ko-KR" altLang="en-US" dirty="0"/>
           </a:p>
@@ -3584,7 +3584,7 @@
                 <a:latin typeface="휴먼모음T" panose="02030504000101010101" pitchFamily="18" charset="-127"/>
                 <a:ea typeface="휴먼모음T" panose="02030504000101010101" pitchFamily="18" charset="-127"/>
               </a:rPr>
-              <a:t>레벨</a:t>
+              <a:t>이벤트</a:t>
             </a:r>
           </a:p>
         </p:txBody>
@@ -4042,7 +4042,7 @@
         <p:spPr>
           <a:xfrm>
             <a:off x="101601" y="1445888"/>
-            <a:ext cx="13114527" cy="3416320"/>
+            <a:ext cx="11112499" cy="3970318"/>
           </a:xfrm>
           <a:prstGeom prst="rect">
             <a:avLst/>
@@ -4399,7 +4399,7 @@
                 <a:latin typeface="HY그래픽M" panose="02030600000101010101" pitchFamily="18" charset="-127"/>
                 <a:ea typeface="HY그래픽M" panose="02030600000101010101" pitchFamily="18" charset="-127"/>
               </a:rPr>
-              <a:t>이벤트의 진행은 보통 게임이 </a:t>
+              <a:t>이벤트의 진행은 게임이 </a:t>
             </a:r>
             <a:r>
               <a:rPr lang="ko-KR" altLang="en-US" b="1" dirty="0" err="1">
@@ -4423,7 +4423,7 @@
                 <a:latin typeface="HY그래픽M" panose="02030600000101010101" pitchFamily="18" charset="-127"/>
                 <a:ea typeface="HY그래픽M" panose="02030600000101010101" pitchFamily="18" charset="-127"/>
               </a:rPr>
-              <a:t>화면상 우측하단에 출력되는 대화박스</a:t>
+              <a:t>화면 상에 출력되는 </a:t>
             </a:r>
             <a:r>
               <a:rPr lang="en-US" altLang="ko-KR" b="1" dirty="0">
@@ -4443,7 +4443,57 @@
                 <a:latin typeface="HY그래픽M" panose="02030600000101010101" pitchFamily="18" charset="-127"/>
                 <a:ea typeface="HY그래픽M" panose="02030600000101010101" pitchFamily="18" charset="-127"/>
               </a:rPr>
-              <a:t>에 출력되는 텍스트를 통해 진행</a:t>
+              <a:t>가 기본 </a:t>
+            </a:r>
+            <a:r>
+              <a:rPr lang="ko-KR" altLang="en-US" b="1" dirty="0" err="1">
+                <a:solidFill>
+                  <a:schemeClr val="accent4"/>
+                </a:solidFill>
+                <a:latin typeface="HY그래픽M" panose="02030600000101010101" pitchFamily="18" charset="-127"/>
+                <a:ea typeface="HY그래픽M" panose="02030600000101010101" pitchFamily="18" charset="-127"/>
+              </a:rPr>
+              <a:t>인게임</a:t>
+            </a:r>
+            <a:r>
+              <a:rPr lang="en-US" altLang="ko-KR" b="1" dirty="0">
+                <a:solidFill>
+                  <a:schemeClr val="accent4"/>
+                </a:solidFill>
+                <a:latin typeface="HY그래픽M" panose="02030600000101010101" pitchFamily="18" charset="-127"/>
+                <a:ea typeface="HY그래픽M" panose="02030600000101010101" pitchFamily="18" charset="-127"/>
+              </a:rPr>
+              <a:t>UI</a:t>
+            </a:r>
+            <a:r>
+              <a:rPr lang="ko-KR" altLang="en-US" b="1" dirty="0">
+                <a:solidFill>
+                  <a:schemeClr val="accent4"/>
+                </a:solidFill>
+                <a:latin typeface="HY그래픽M" panose="02030600000101010101" pitchFamily="18" charset="-127"/>
+                <a:ea typeface="HY그래픽M" panose="02030600000101010101" pitchFamily="18" charset="-127"/>
+              </a:rPr>
+              <a:t>에서 이벤트</a:t>
+            </a:r>
+            <a:r>
+              <a:rPr lang="en-US" altLang="ko-KR" b="1" dirty="0">
+                <a:solidFill>
+                  <a:schemeClr val="accent4"/>
+                </a:solidFill>
+                <a:latin typeface="HY그래픽M" panose="02030600000101010101" pitchFamily="18" charset="-127"/>
+                <a:ea typeface="HY그래픽M" panose="02030600000101010101" pitchFamily="18" charset="-127"/>
+              </a:rPr>
+              <a:t>UI</a:t>
+            </a:r>
+            <a:r>
+              <a:rPr lang="ko-KR" altLang="en-US" b="1" dirty="0">
+                <a:solidFill>
+                  <a:schemeClr val="accent4"/>
+                </a:solidFill>
+                <a:latin typeface="HY그래픽M" panose="02030600000101010101" pitchFamily="18" charset="-127"/>
+                <a:ea typeface="HY그래픽M" panose="02030600000101010101" pitchFamily="18" charset="-127"/>
+              </a:rPr>
+              <a:t>로 변경</a:t>
             </a:r>
             <a:r>
               <a:rPr lang="ko-KR" altLang="en-US" b="1" dirty="0">
@@ -4480,7 +4530,17 @@
                 <a:latin typeface="HY그래픽M" panose="02030600000101010101" pitchFamily="18" charset="-127"/>
                 <a:ea typeface="HY그래픽M" panose="02030600000101010101" pitchFamily="18" charset="-127"/>
               </a:rPr>
-              <a:t>이벤트를 통해 게임내 </a:t>
+              <a:t>이벤트 종료 시 </a:t>
+            </a:r>
+            <a:r>
+              <a:rPr lang="ko-KR" altLang="en-US" b="1" dirty="0">
+                <a:solidFill>
+                  <a:schemeClr val="accent4"/>
+                </a:solidFill>
+                <a:latin typeface="HY그래픽M" panose="02030600000101010101" pitchFamily="18" charset="-127"/>
+                <a:ea typeface="HY그래픽M" panose="02030600000101010101" pitchFamily="18" charset="-127"/>
+              </a:rPr>
+              <a:t>이벤트</a:t>
             </a:r>
             <a:r>
               <a:rPr lang="en-US" altLang="ko-KR" b="1" dirty="0">
@@ -4500,7 +4560,7 @@
                 <a:latin typeface="HY그래픽M" panose="02030600000101010101" pitchFamily="18" charset="-127"/>
                 <a:ea typeface="HY그래픽M" panose="02030600000101010101" pitchFamily="18" charset="-127"/>
               </a:rPr>
-              <a:t>의 출력이나 기타 </a:t>
+              <a:t>에서 기본 </a:t>
             </a:r>
             <a:r>
               <a:rPr lang="ko-KR" altLang="en-US" b="1" dirty="0" err="1">
@@ -4510,7 +4570,64 @@
                 <a:latin typeface="HY그래픽M" panose="02030600000101010101" pitchFamily="18" charset="-127"/>
                 <a:ea typeface="HY그래픽M" panose="02030600000101010101" pitchFamily="18" charset="-127"/>
               </a:rPr>
-              <a:t>연출등이</a:t>
+              <a:t>인게임</a:t>
+            </a:r>
+            <a:r>
+              <a:rPr lang="en-US" altLang="ko-KR" b="1" dirty="0">
+                <a:solidFill>
+                  <a:schemeClr val="accent4"/>
+                </a:solidFill>
+                <a:latin typeface="HY그래픽M" panose="02030600000101010101" pitchFamily="18" charset="-127"/>
+                <a:ea typeface="HY그래픽M" panose="02030600000101010101" pitchFamily="18" charset="-127"/>
+              </a:rPr>
+              <a:t>UI</a:t>
+            </a:r>
+            <a:r>
+              <a:rPr lang="ko-KR" altLang="en-US" b="1" dirty="0">
+                <a:latin typeface="HY그래픽M" panose="02030600000101010101" pitchFamily="18" charset="-127"/>
+                <a:ea typeface="HY그래픽M" panose="02030600000101010101" pitchFamily="18" charset="-127"/>
+              </a:rPr>
+              <a:t>로 변경된다</a:t>
+            </a:r>
+            <a:r>
+              <a:rPr lang="en-US" altLang="ko-KR" b="1" dirty="0">
+                <a:latin typeface="HY그래픽M" panose="02030600000101010101" pitchFamily="18" charset="-127"/>
+                <a:ea typeface="HY그래픽M" panose="02030600000101010101" pitchFamily="18" charset="-127"/>
+              </a:rPr>
+              <a:t>.</a:t>
+            </a:r>
+          </a:p>
+          <a:p>
+            <a:pPr marL="285705" indent="-285705">
+              <a:buFontTx/>
+              <a:buChar char="-"/>
+            </a:pPr>
+            <a:endParaRPr lang="en-US" altLang="ko-KR" b="1" dirty="0">
+              <a:latin typeface="HY그래픽M" panose="02030600000101010101" pitchFamily="18" charset="-127"/>
+              <a:ea typeface="HY그래픽M" panose="02030600000101010101" pitchFamily="18" charset="-127"/>
+            </a:endParaRPr>
+          </a:p>
+          <a:p>
+            <a:pPr marL="285705" indent="-285705">
+              <a:buFontTx/>
+              <a:buChar char="-"/>
+            </a:pPr>
+            <a:r>
+              <a:rPr lang="ko-KR" altLang="en-US" b="1" dirty="0">
+                <a:latin typeface="HY그래픽M" panose="02030600000101010101" pitchFamily="18" charset="-127"/>
+                <a:ea typeface="HY그래픽M" panose="02030600000101010101" pitchFamily="18" charset="-127"/>
+              </a:rPr>
+              <a:t>이벤트를 통해 게임내 </a:t>
+            </a:r>
+            <a:r>
+              <a:rPr lang="en-US" altLang="ko-KR" b="1" dirty="0">
+                <a:solidFill>
+                  <a:schemeClr val="accent4"/>
+                </a:solidFill>
+                <a:latin typeface="HY그래픽M" panose="02030600000101010101" pitchFamily="18" charset="-127"/>
+                <a:ea typeface="HY그래픽M" panose="02030600000101010101" pitchFamily="18" charset="-127"/>
+              </a:rPr>
+              <a:t>UI</a:t>
             </a:r>
             <a:r>
               <a:rPr lang="ko-KR" altLang="en-US" b="1" dirty="0">
@@ -4520,6 +4637,26 @@
                 <a:latin typeface="HY그래픽M" panose="02030600000101010101" pitchFamily="18" charset="-127"/>
                 <a:ea typeface="HY그래픽M" panose="02030600000101010101" pitchFamily="18" charset="-127"/>
               </a:rPr>
+              <a:t>의 출력이나 기타 </a:t>
+            </a:r>
+            <a:r>
+              <a:rPr lang="ko-KR" altLang="en-US" b="1" dirty="0" err="1">
+                <a:solidFill>
+                  <a:schemeClr val="accent4"/>
+                </a:solidFill>
+                <a:latin typeface="HY그래픽M" panose="02030600000101010101" pitchFamily="18" charset="-127"/>
+                <a:ea typeface="HY그래픽M" panose="02030600000101010101" pitchFamily="18" charset="-127"/>
+              </a:rPr>
+              <a:t>연출등이</a:t>
+            </a:r>
+            <a:r>
+              <a:rPr lang="ko-KR" altLang="en-US" b="1" dirty="0">
+                <a:solidFill>
+                  <a:schemeClr val="accent4"/>
+                </a:solidFill>
+                <a:latin typeface="HY그래픽M" panose="02030600000101010101" pitchFamily="18" charset="-127"/>
+                <a:ea typeface="HY그래픽M" panose="02030600000101010101" pitchFamily="18" charset="-127"/>
+              </a:rPr>
               <a:t> 바뀌는 경우</a:t>
             </a:r>
             <a:r>
@@ -4535,6 +4672,315 @@
                 <a:ea typeface="HY그래픽M" panose="02030600000101010101" pitchFamily="18" charset="-127"/>
               </a:rPr>
               <a:t>.</a:t>
+            </a:r>
+          </a:p>
+        </p:txBody>
+      </p:sp>
+      <p:pic>
+        <p:nvPicPr>
+          <p:cNvPr id="4" name="그림 3">
+            <a:extLst>
+              <a:ext uri="{FF2B5EF4-FFF2-40B4-BE49-F238E27FC236}">
+                <a16:creationId xmlns:a16="http://schemas.microsoft.com/office/drawing/2014/main" id="{B04CCED9-B1A6-426D-959C-03956E8962D3}"/>
+              </a:ext>
+            </a:extLst>
+          </p:cNvPr>
+          <p:cNvPicPr>
+            <a:picLocks noChangeAspect="1"/>
+          </p:cNvPicPr>
+          <p:nvPr/>
+        </p:nvPicPr>
+        <p:blipFill>
+          <a:blip r:embed="rId2"/>
+          <a:stretch>
+            <a:fillRect/>
+          </a:stretch>
+        </p:blipFill>
+        <p:spPr>
+          <a:xfrm>
+            <a:off x="11302595" y="1445888"/>
+            <a:ext cx="6205942" cy="3507112"/>
+          </a:xfrm>
+          <a:prstGeom prst="rect">
+            <a:avLst/>
+          </a:prstGeom>
+        </p:spPr>
+      </p:pic>
+      <p:sp>
+        <p:nvSpPr>
+          <p:cNvPr id="11" name="TextBox 10">
+            <a:extLst>
+              <a:ext uri="{FF2B5EF4-FFF2-40B4-BE49-F238E27FC236}">
+                <a16:creationId xmlns:a16="http://schemas.microsoft.com/office/drawing/2014/main" id="{D4DF7F8D-BA34-46DA-81BE-5D53255D47BD}"/>
+              </a:ext>
+            </a:extLst>
+          </p:cNvPr>
+          <p:cNvSpPr txBox="1"/>
+          <p:nvPr/>
+        </p:nvSpPr>
+        <p:spPr>
+          <a:xfrm>
+            <a:off x="11302595" y="5046874"/>
+            <a:ext cx="6205942" cy="369332"/>
+          </a:xfrm>
+          <a:prstGeom prst="rect">
+            <a:avLst/>
+          </a:prstGeom>
+          <a:solidFill>
+            <a:schemeClr val="bg1">
+              <a:alpha val="20000"/>
+            </a:schemeClr>
+          </a:solidFill>
+        </p:spPr>
+        <p:txBody>
+          <a:bodyPr wrap="square" rtlCol="0">
+            <a:spAutoFit/>
+          </a:bodyPr>
+          <a:lstStyle/>
+          <a:p>
+            <a:r>
+              <a:rPr lang="ko-KR" altLang="en-US" b="1">
+                <a:latin typeface="HY그래픽M" panose="02030600000101010101" pitchFamily="18" charset="-127"/>
+                <a:ea typeface="HY그래픽M" panose="02030600000101010101" pitchFamily="18" charset="-127"/>
+              </a:rPr>
+              <a:t>이벤트</a:t>
+            </a:r>
+            <a:r>
+              <a:rPr lang="en-US" altLang="ko-KR" b="1" dirty="0">
+                <a:latin typeface="HY그래픽M" panose="02030600000101010101" pitchFamily="18" charset="-127"/>
+                <a:ea typeface="HY그래픽M" panose="02030600000101010101" pitchFamily="18" charset="-127"/>
+              </a:rPr>
+              <a:t>UI </a:t>
+            </a:r>
+            <a:r>
+              <a:rPr lang="ko-KR" altLang="en-US" b="1" dirty="0" err="1">
+                <a:latin typeface="HY그래픽M" panose="02030600000101010101" pitchFamily="18" charset="-127"/>
+                <a:ea typeface="HY그래픽M" panose="02030600000101010101" pitchFamily="18" charset="-127"/>
+              </a:rPr>
+              <a:t>구성예시</a:t>
+            </a:r>
+            <a:endParaRPr lang="en-US" altLang="ko-KR" b="1" dirty="0">
+              <a:latin typeface="HY그래픽M" panose="02030600000101010101" pitchFamily="18" charset="-127"/>
+              <a:ea typeface="HY그래픽M" panose="02030600000101010101" pitchFamily="18" charset="-127"/>
+            </a:endParaRPr>
+          </a:p>
+        </p:txBody>
+      </p:sp>
+      <p:sp>
+        <p:nvSpPr>
+          <p:cNvPr id="14" name="TextBox 13">
+            <a:extLst>
+              <a:ext uri="{FF2B5EF4-FFF2-40B4-BE49-F238E27FC236}">
+                <a16:creationId xmlns:a16="http://schemas.microsoft.com/office/drawing/2014/main" id="{D21AE088-CD68-40A5-87C0-2AA733AF50B5}"/>
+              </a:ext>
+            </a:extLst>
+          </p:cNvPr>
+          <p:cNvSpPr txBox="1"/>
+          <p:nvPr/>
+        </p:nvSpPr>
+        <p:spPr>
+          <a:xfrm>
+            <a:off x="101601" y="9448969"/>
+            <a:ext cx="17406936" cy="369332"/>
+          </a:xfrm>
+          <a:prstGeom prst="rect">
+            <a:avLst/>
+          </a:prstGeom>
+          <a:solidFill>
+            <a:schemeClr val="bg1">
+              <a:alpha val="20000"/>
+            </a:schemeClr>
+          </a:solidFill>
+        </p:spPr>
+        <p:txBody>
+          <a:bodyPr wrap="square" rtlCol="0">
+            <a:spAutoFit/>
+          </a:bodyPr>
+          <a:lstStyle/>
+          <a:p>
+            <a:pPr algn="ctr"/>
+            <a:r>
+              <a:rPr lang="ko-KR" altLang="en-US" b="1" dirty="0">
+                <a:latin typeface="HY그래픽M" panose="02030600000101010101" pitchFamily="18" charset="-127"/>
+                <a:ea typeface="HY그래픽M" panose="02030600000101010101" pitchFamily="18" charset="-127"/>
+              </a:rPr>
+              <a:t>이벤트의 이야기 </a:t>
+            </a:r>
+            <a:r>
+              <a:rPr lang="ko-KR" altLang="en-US" b="1" dirty="0">
+                <a:solidFill>
+                  <a:schemeClr val="accent4"/>
+                </a:solidFill>
+                <a:latin typeface="HY그래픽M" panose="02030600000101010101" pitchFamily="18" charset="-127"/>
+                <a:ea typeface="HY그래픽M" panose="02030600000101010101" pitchFamily="18" charset="-127"/>
+              </a:rPr>
+              <a:t>진행은 대화박스를 통해 진행되며 </a:t>
+            </a:r>
+            <a:r>
+              <a:rPr lang="en-US" altLang="ko-KR" b="1" dirty="0">
+                <a:solidFill>
+                  <a:schemeClr val="accent4"/>
+                </a:solidFill>
+                <a:latin typeface="HY그래픽M" panose="02030600000101010101" pitchFamily="18" charset="-127"/>
+                <a:ea typeface="HY그래픽M" panose="02030600000101010101" pitchFamily="18" charset="-127"/>
+              </a:rPr>
+              <a:t>Space Bar </a:t>
+            </a:r>
+            <a:r>
+              <a:rPr lang="ko-KR" altLang="en-US" b="1" dirty="0">
+                <a:solidFill>
+                  <a:schemeClr val="accent4"/>
+                </a:solidFill>
+                <a:latin typeface="HY그래픽M" panose="02030600000101010101" pitchFamily="18" charset="-127"/>
+                <a:ea typeface="HY그래픽M" panose="02030600000101010101" pitchFamily="18" charset="-127"/>
+              </a:rPr>
+              <a:t>키를 눌러 진행</a:t>
+            </a:r>
+            <a:r>
+              <a:rPr lang="ko-KR" altLang="en-US" b="1" dirty="0">
+                <a:latin typeface="HY그래픽M" panose="02030600000101010101" pitchFamily="18" charset="-127"/>
+                <a:ea typeface="HY그래픽M" panose="02030600000101010101" pitchFamily="18" charset="-127"/>
+              </a:rPr>
+              <a:t>할 수 있다</a:t>
+            </a:r>
+            <a:r>
+              <a:rPr lang="en-US" altLang="ko-KR" b="1" dirty="0">
+                <a:latin typeface="HY그래픽M" panose="02030600000101010101" pitchFamily="18" charset="-127"/>
+                <a:ea typeface="HY그래픽M" panose="02030600000101010101" pitchFamily="18" charset="-127"/>
+              </a:rPr>
+              <a:t>.</a:t>
+            </a:r>
+          </a:p>
+        </p:txBody>
+      </p:sp>
+    </p:spTree>
+    <p:extLst>
+      <p:ext uri="{BB962C8B-B14F-4D97-AF65-F5344CB8AC3E}">
+        <p14:creationId xmlns:p14="http://schemas.microsoft.com/office/powerpoint/2010/main" val="3961827498"/>
+      </p:ext>
+    </p:extLst>
+  </p:cSld>
+  <p:clrMapOvr>
+    <a:masterClrMapping/>
+  </p:clrMapOvr>
+</p:sld>
+</file>
+
+<file path=ppt/slides/slide4.xml><?xml version="1.0" encoding="utf-8"?>
+<p:sld xmlns:a="http://schemas.openxmlformats.org/drawingml/2006/main" xmlns:r="http://schemas.openxmlformats.org/officeDocument/2006/relationships" xmlns:p="http://schemas.openxmlformats.org/presentationml/2006/main">
+  <p:cSld>
+    <p:spTree>
+      <p:nvGrpSpPr>
+        <p:cNvPr id="1" name=""/>
+        <p:cNvGrpSpPr/>
+        <p:nvPr/>
+      </p:nvGrpSpPr>
+      <p:grpSpPr>
+        <a:xfrm>
+          <a:off x="0" y="0"/>
+          <a:ext cx="0" cy="0"/>
+          <a:chOff x="0" y="0"/>
+          <a:chExt cx="0" cy="0"/>
+        </a:xfrm>
+      </p:grpSpPr>
+      <p:sp>
+        <p:nvSpPr>
+          <p:cNvPr id="8" name="사각형: 둥근 모서리 7">
+            <a:extLst>
+              <a:ext uri="{FF2B5EF4-FFF2-40B4-BE49-F238E27FC236}">
+                <a16:creationId xmlns:a16="http://schemas.microsoft.com/office/drawing/2014/main" id="{6621E09A-072E-4221-9694-044F1CE109E0}"/>
+              </a:ext>
+            </a:extLst>
+          </p:cNvPr>
+          <p:cNvSpPr/>
+          <p:nvPr/>
+        </p:nvSpPr>
+        <p:spPr>
+          <a:xfrm>
+            <a:off x="101601" y="993855"/>
+            <a:ext cx="17406942" cy="318170"/>
+          </a:xfrm>
+          <a:prstGeom prst="roundRect">
+            <a:avLst/>
+          </a:prstGeom>
+          <a:solidFill>
+            <a:schemeClr val="tx1"/>
+          </a:solidFill>
+          <a:ln>
+            <a:noFill/>
+          </a:ln>
+        </p:spPr>
+        <p:style>
+          <a:lnRef idx="2">
+            <a:schemeClr val="accent1">
+              <a:shade val="50000"/>
+            </a:schemeClr>
+          </a:lnRef>
+          <a:fillRef idx="1">
+            <a:schemeClr val="accent1"/>
+          </a:fillRef>
+          <a:effectRef idx="0">
+            <a:schemeClr val="accent1"/>
+          </a:effectRef>
+          <a:fontRef idx="minor">
+            <a:schemeClr val="lt1"/>
+          </a:fontRef>
+        </p:style>
+        <p:txBody>
+          <a:bodyPr rtlCol="0" anchor="ctr"/>
+          <a:lstStyle/>
+          <a:p>
+            <a:pPr algn="ctr"/>
+            <a:r>
+              <a:rPr lang="ko-KR" altLang="en-US" b="1" dirty="0">
+                <a:latin typeface="메이플스토리" panose="02000300000000000000" pitchFamily="2" charset="-127"/>
+                <a:ea typeface="메이플스토리" panose="02000300000000000000" pitchFamily="2" charset="-127"/>
+              </a:rPr>
+              <a:t>이벤트 구성요소</a:t>
+            </a:r>
+          </a:p>
+        </p:txBody>
+      </p:sp>
+      <p:sp>
+        <p:nvSpPr>
+          <p:cNvPr id="9" name="직사각형 8">
+            <a:extLst>
+              <a:ext uri="{FF2B5EF4-FFF2-40B4-BE49-F238E27FC236}">
+                <a16:creationId xmlns:a16="http://schemas.microsoft.com/office/drawing/2014/main" id="{94F2371C-0352-412D-8908-A2E16DD190D5}"/>
+              </a:ext>
+            </a:extLst>
+          </p:cNvPr>
+          <p:cNvSpPr/>
+          <p:nvPr/>
+        </p:nvSpPr>
+        <p:spPr>
+          <a:xfrm>
+            <a:off x="8132804" y="33681"/>
+            <a:ext cx="1344535" cy="923330"/>
+          </a:xfrm>
+          <a:prstGeom prst="rect">
+            <a:avLst/>
+          </a:prstGeom>
+          <a:noFill/>
+        </p:spPr>
+        <p:txBody>
+          <a:bodyPr wrap="none" lIns="91440" tIns="45720" rIns="91440" bIns="45720">
+            <a:spAutoFit/>
+          </a:bodyPr>
+          <a:lstStyle/>
+          <a:p>
+            <a:pPr algn="ctr"/>
+            <a:r>
+              <a:rPr lang="en-US" altLang="ko-KR" sz="5400" b="1" dirty="0">
+                <a:ln w="0">
+                  <a:solidFill>
+                    <a:schemeClr val="bg1"/>
+                  </a:solidFill>
+                </a:ln>
+                <a:latin typeface="+mj-ea"/>
+                <a:ea typeface="+mj-ea"/>
+              </a:rPr>
+              <a:t>WA</a:t>
             </a:r>
           </a:p>
         </p:txBody>
@@ -4551,16 +4997,10 @@
           <p:cNvGraphicFramePr>
             <a:graphicFrameLocks noGrp="1"/>
           </p:cNvGraphicFramePr>
-          <p:nvPr>
-            <p:extLst>
-              <p:ext uri="{D42A27DB-BD31-4B8C-83A1-F6EECF244321}">
-                <p14:modId xmlns:p14="http://schemas.microsoft.com/office/powerpoint/2010/main" val="3110274080"/>
-              </p:ext>
-            </p:extLst>
-          </p:nvPr>
+          <p:nvPr/>
         </p:nvGraphicFramePr>
         <p:xfrm>
-          <a:off x="1178720" y="7797800"/>
+          <a:off x="1178720" y="9144000"/>
           <a:ext cx="15252699" cy="396240"/>
         </p:xfrm>
         <a:graphic>
@@ -4807,7 +5247,7 @@
         </p:nvSpPr>
         <p:spPr>
           <a:xfrm>
-            <a:off x="2247806" y="7177158"/>
+            <a:off x="2247806" y="8523358"/>
             <a:ext cx="13114527" cy="369332"/>
           </a:xfrm>
           <a:prstGeom prst="rect">
@@ -4856,155 +5296,12 @@
           </a:p>
         </p:txBody>
       </p:sp>
-    </p:spTree>
-    <p:extLst>
-      <p:ext uri="{BB962C8B-B14F-4D97-AF65-F5344CB8AC3E}">
-        <p14:creationId xmlns:p14="http://schemas.microsoft.com/office/powerpoint/2010/main" val="3961827498"/>
-      </p:ext>
-    </p:extLst>
-  </p:cSld>
-  <p:clrMapOvr>
-    <a:masterClrMapping/>
-  </p:clrMapOvr>
-</p:sld>
-</file>
-
-<file path=ppt/slides/slide4.xml><?xml version="1.0" encoding="utf-8"?>
-<p:sld xmlns:a="http://schemas.openxmlformats.org/drawingml/2006/main" xmlns:r="http://schemas.openxmlformats.org/officeDocument/2006/relationships" xmlns:p="http://schemas.openxmlformats.org/presentationml/2006/main">
-  <p:cSld>
-    <p:spTree>
-      <p:nvGrpSpPr>
-        <p:cNvPr id="1" name=""/>
-        <p:cNvGrpSpPr/>
-        <p:nvPr/>
-      </p:nvGrpSpPr>
-      <p:grpSpPr>
-        <a:xfrm>
-          <a:off x="0" y="0"/>
-          <a:ext cx="0" cy="0"/>
-          <a:chOff x="0" y="0"/>
-          <a:chExt cx="0" cy="0"/>
-        </a:xfrm>
-      </p:grpSpPr>
-      <p:sp>
-        <p:nvSpPr>
-          <p:cNvPr id="14" name="직사각형 13">
+      <p:graphicFrame>
+        <p:nvGraphicFramePr>
+          <p:cNvPr id="3" name="표 4">
             <a:extLst>
               <a:ext uri="{FF2B5EF4-FFF2-40B4-BE49-F238E27FC236}">
-                <a16:creationId xmlns:a16="http://schemas.microsoft.com/office/drawing/2014/main" id="{212B7ECA-7CD7-467F-9EC4-27938A087C78}"/>
-              </a:ext>
-            </a:extLst>
-          </p:cNvPr>
-          <p:cNvSpPr/>
-          <p:nvPr/>
-        </p:nvSpPr>
-        <p:spPr>
-          <a:xfrm>
-            <a:off x="8132804" y="33681"/>
-            <a:ext cx="1344535" cy="923330"/>
-          </a:xfrm>
-          <a:prstGeom prst="rect">
-            <a:avLst/>
-          </a:prstGeom>
-          <a:noFill/>
-        </p:spPr>
-        <p:txBody>
-          <a:bodyPr wrap="none" lIns="91440" tIns="45720" rIns="91440" bIns="45720">
-            <a:spAutoFit/>
-          </a:bodyPr>
-          <a:lstStyle/>
-          <a:p>
-            <a:pPr algn="ctr"/>
-            <a:r>
-              <a:rPr lang="en-US" altLang="ko-KR" sz="5400" b="1" dirty="0">
-                <a:ln w="0">
-                  <a:solidFill>
-                    <a:schemeClr val="bg1"/>
-                  </a:solidFill>
-                </a:ln>
-                <a:latin typeface="+mj-ea"/>
-                <a:ea typeface="+mj-ea"/>
-              </a:rPr>
-              <a:t>WA</a:t>
-            </a:r>
-          </a:p>
-        </p:txBody>
-      </p:sp>
-      <p:sp>
-        <p:nvSpPr>
-          <p:cNvPr id="15" name="사각형: 둥근 모서리 14">
-            <a:extLst>
-              <a:ext uri="{FF2B5EF4-FFF2-40B4-BE49-F238E27FC236}">
-                <a16:creationId xmlns:a16="http://schemas.microsoft.com/office/drawing/2014/main" id="{B4929C92-915C-400A-8F9A-5E60E967B602}"/>
-              </a:ext>
-            </a:extLst>
-          </p:cNvPr>
-          <p:cNvSpPr/>
-          <p:nvPr/>
-        </p:nvSpPr>
-        <p:spPr>
-          <a:xfrm>
-            <a:off x="101601" y="993855"/>
-            <a:ext cx="17406942" cy="318170"/>
-          </a:xfrm>
-          <a:prstGeom prst="roundRect">
-            <a:avLst/>
-          </a:prstGeom>
-          <a:solidFill>
-            <a:schemeClr val="tx1"/>
-          </a:solidFill>
-          <a:ln>
-            <a:noFill/>
-          </a:ln>
-        </p:spPr>
-        <p:style>
-          <a:lnRef idx="2">
-            <a:schemeClr val="accent1">
-              <a:shade val="50000"/>
-            </a:schemeClr>
-          </a:lnRef>
-          <a:fillRef idx="1">
-            <a:schemeClr val="accent1"/>
-          </a:fillRef>
-          <a:effectRef idx="0">
-            <a:schemeClr val="accent1"/>
-          </a:effectRef>
-          <a:fontRef idx="minor">
-            <a:schemeClr val="lt1"/>
-          </a:fontRef>
-        </p:style>
-        <p:txBody>
-          <a:bodyPr rtlCol="0" anchor="ctr"/>
-          <a:lstStyle/>
-          <a:p>
-            <a:pPr algn="ctr"/>
-            <a:r>
-              <a:rPr lang="ko-KR" altLang="en-US" b="1" dirty="0">
-                <a:latin typeface="메이플스토리" panose="02000300000000000000" pitchFamily="2" charset="-127"/>
-                <a:ea typeface="메이플스토리" panose="02000300000000000000" pitchFamily="2" charset="-127"/>
-              </a:rPr>
-              <a:t>이벤트</a:t>
-            </a:r>
-            <a:r>
-              <a:rPr lang="en-US" altLang="ko-KR" b="1" dirty="0">
-                <a:latin typeface="메이플스토리" panose="02000300000000000000" pitchFamily="2" charset="-127"/>
-                <a:ea typeface="메이플스토리" panose="02000300000000000000" pitchFamily="2" charset="-127"/>
-              </a:rPr>
-              <a:t>1</a:t>
-            </a:r>
-            <a:endParaRPr lang="ko-KR" altLang="en-US" b="1" dirty="0">
-              <a:latin typeface="메이플스토리" panose="02000300000000000000" pitchFamily="2" charset="-127"/>
-              <a:ea typeface="메이플스토리" panose="02000300000000000000" pitchFamily="2" charset="-127"/>
-            </a:endParaRPr>
-          </a:p>
-        </p:txBody>
-      </p:sp>
-      <p:graphicFrame>
-        <p:nvGraphicFramePr>
-          <p:cNvPr id="6" name="표 3">
-            <a:extLst>
-              <a:ext uri="{FF2B5EF4-FFF2-40B4-BE49-F238E27FC236}">
-                <a16:creationId xmlns:a16="http://schemas.microsoft.com/office/drawing/2014/main" id="{3529A55C-5CC8-40AD-8150-E77E2421F87B}"/>
+                <a16:creationId xmlns:a16="http://schemas.microsoft.com/office/drawing/2014/main" id="{68986701-1160-4557-A75B-F9DE3489C1E4}"/>
               </a:ext>
             </a:extLst>
           </p:cNvPr>
@@ -5014,14 +5311,14 @@
           <p:nvPr>
             <p:extLst>
               <p:ext uri="{D42A27DB-BD31-4B8C-83A1-F6EECF244321}">
-                <p14:modId xmlns:p14="http://schemas.microsoft.com/office/powerpoint/2010/main" val="1513831455"/>
+                <p14:modId xmlns:p14="http://schemas.microsoft.com/office/powerpoint/2010/main" val="1124733399"/>
               </p:ext>
             </p:extLst>
           </p:nvPr>
         </p:nvGraphicFramePr>
         <p:xfrm>
-          <a:off x="1178719" y="1484136"/>
-          <a:ext cx="15252699" cy="396240"/>
+          <a:off x="986521" y="1563335"/>
+          <a:ext cx="15637096" cy="2926080"/>
         </p:xfrm>
         <a:graphic>
           <a:graphicData uri="http://schemas.openxmlformats.org/drawingml/2006/table">
@@ -5030,24 +5327,24 @@
                 <a:tableStyleId>{5C22544A-7EE6-4342-B048-85BDC9FD1C3A}</a:tableStyleId>
               </a:tblPr>
               <a:tblGrid>
-                <a:gridCol w="2199481">
+                <a:gridCol w="3454701">
                   <a:extLst>
                     <a:ext uri="{9D8B030D-6E8A-4147-A177-3AD203B41FA5}">
-                      <a16:colId xmlns:a16="http://schemas.microsoft.com/office/drawing/2014/main" val="994053552"/>
+                      <a16:colId xmlns:a16="http://schemas.microsoft.com/office/drawing/2014/main" val="2365269558"/>
                     </a:ext>
                   </a:extLst>
                 </a:gridCol>
-                <a:gridCol w="3505200">
+                <a:gridCol w="6133893">
                   <a:extLst>
                     <a:ext uri="{9D8B030D-6E8A-4147-A177-3AD203B41FA5}">
-                      <a16:colId xmlns:a16="http://schemas.microsoft.com/office/drawing/2014/main" val="1236505921"/>
+                      <a16:colId xmlns:a16="http://schemas.microsoft.com/office/drawing/2014/main" val="455883909"/>
                     </a:ext>
                   </a:extLst>
                 </a:gridCol>
-                <a:gridCol w="9548018">
+                <a:gridCol w="6048502">
                   <a:extLst>
                     <a:ext uri="{9D8B030D-6E8A-4147-A177-3AD203B41FA5}">
-                      <a16:colId xmlns:a16="http://schemas.microsoft.com/office/drawing/2014/main" val="1795726565"/>
+                      <a16:colId xmlns:a16="http://schemas.microsoft.com/office/drawing/2014/main" val="2487665028"/>
                     </a:ext>
                   </a:extLst>
                 </a:gridCol>
@@ -5060,29 +5357,99 @@
                     <a:p>
                       <a:pPr algn="ctr" latinLnBrk="1"/>
                       <a:r>
-                        <a:rPr lang="ko-KR" altLang="en-US" sz="2000" dirty="0">
+                        <a:rPr lang="ko-KR" altLang="en-US" dirty="0">
+                          <a:ln>
+                            <a:solidFill>
+                              <a:sysClr val="windowText" lastClr="000000"/>
+                            </a:solidFill>
+                          </a:ln>
                           <a:solidFill>
-                            <a:sysClr val="windowText" lastClr="000000"/>
+                            <a:schemeClr val="accent1">
+                              <a:lumMod val="75000"/>
+                            </a:schemeClr>
                           </a:solidFill>
                         </a:rPr>
-                        <a:t>이벤트</a:t>
+                        <a:t>구성요소</a:t>
                       </a:r>
+                    </a:p>
+                  </a:txBody>
+                  <a:tcPr anchor="ctr">
+                    <a:lnL w="12700" cap="flat" cmpd="sng" algn="ctr">
+                      <a:solidFill>
+                        <a:schemeClr val="tx1"/>
+                      </a:solidFill>
+                      <a:prstDash val="solid"/>
+                      <a:round/>
+                      <a:headEnd type="none" w="med" len="med"/>
+                      <a:tailEnd type="none" w="med" len="med"/>
+                    </a:lnL>
+                    <a:lnR w="12700" cap="flat" cmpd="sng" algn="ctr">
+                      <a:solidFill>
+                        <a:schemeClr val="tx1"/>
+                      </a:solidFill>
+                      <a:prstDash val="solid"/>
+                      <a:round/>
+                      <a:headEnd type="none" w="med" len="med"/>
+                      <a:tailEnd type="none" w="med" len="med"/>
+                    </a:lnR>
+                    <a:lnT w="12700" cap="flat" cmpd="sng" algn="ctr">
+                      <a:solidFill>
+                        <a:schemeClr val="tx1"/>
+                      </a:solidFill>
+                      <a:prstDash val="solid"/>
+                      <a:round/>
+                      <a:headEnd type="none" w="med" len="med"/>
+                      <a:tailEnd type="none" w="med" len="med"/>
+                    </a:lnT>
+                    <a:lnB w="12700" cap="flat" cmpd="sng" algn="ctr">
+                      <a:solidFill>
+                        <a:schemeClr val="tx1"/>
+                      </a:solidFill>
+                      <a:prstDash val="solid"/>
+                      <a:round/>
+                      <a:headEnd type="none" w="med" len="med"/>
+                      <a:tailEnd type="none" w="med" len="med"/>
+                    </a:lnB>
+                    <a:lnTlToBr w="12700" cmpd="sng">
+                      <a:noFill/>
+                      <a:prstDash val="solid"/>
+                    </a:lnTlToBr>
+                    <a:lnBlToTr w="12700" cmpd="sng">
+                      <a:noFill/>
+                      <a:prstDash val="solid"/>
+                    </a:lnBlToTr>
+                    <a:solidFill>
+                      <a:schemeClr val="accent1">
+                        <a:lumMod val="60000"/>
+                        <a:lumOff val="40000"/>
+                      </a:schemeClr>
+                    </a:solidFill>
+                  </a:tcPr>
+                </a:tc>
+                <a:tc>
+                  <a:txBody>
+                    <a:bodyPr/>
+                    <a:lstStyle/>
+                    <a:p>
+                      <a:pPr algn="ctr" latinLnBrk="1"/>
                       <a:r>
-                        <a:rPr lang="en-US" altLang="ko-KR" sz="2000" dirty="0">
+                        <a:rPr lang="ko-KR" altLang="en-US" dirty="0">
+                          <a:ln>
+                            <a:solidFill>
+                              <a:sysClr val="windowText" lastClr="000000"/>
+                            </a:solidFill>
+                          </a:ln>
                           <a:solidFill>
-                            <a:sysClr val="windowText" lastClr="000000"/>
+                            <a:schemeClr val="accent1">
+                              <a:lumMod val="75000"/>
+                            </a:schemeClr>
                           </a:solidFill>
                         </a:rPr>
-                        <a:t>1</a:t>
+                        <a:t>설명</a:t>
                       </a:r>
-                      <a:endParaRPr lang="ko-KR" altLang="en-US" sz="2000" dirty="0">
-                        <a:solidFill>
-                          <a:sysClr val="windowText" lastClr="000000"/>
-                        </a:solidFill>
-                      </a:endParaRPr>
                     </a:p>
                   </a:txBody>
-                  <a:tcPr>
+                  <a:tcPr anchor="ctr">
                     <a:lnL w="12700" cap="flat" cmpd="sng" algn="ctr">
                       <a:solidFill>
                         <a:schemeClr val="tx1"/>
@@ -5119,6 +5486,162 @@
                       <a:headEnd type="none" w="med" len="med"/>
                       <a:tailEnd type="none" w="med" len="med"/>
                     </a:lnB>
+                    <a:lnTlToBr w="12700" cmpd="sng">
+                      <a:noFill/>
+                      <a:prstDash val="solid"/>
+                    </a:lnTlToBr>
+                    <a:lnBlToTr w="12700" cmpd="sng">
+                      <a:noFill/>
+                      <a:prstDash val="solid"/>
+                    </a:lnBlToTr>
+                    <a:solidFill>
+                      <a:schemeClr val="accent1">
+                        <a:lumMod val="60000"/>
+                        <a:lumOff val="40000"/>
+                      </a:schemeClr>
+                    </a:solidFill>
+                  </a:tcPr>
+                </a:tc>
+                <a:tc>
+                  <a:txBody>
+                    <a:bodyPr/>
+                    <a:lstStyle/>
+                    <a:p>
+                      <a:pPr algn="ctr" latinLnBrk="1"/>
+                      <a:r>
+                        <a:rPr lang="ko-KR" altLang="en-US" dirty="0">
+                          <a:ln>
+                            <a:solidFill>
+                              <a:sysClr val="windowText" lastClr="000000"/>
+                            </a:solidFill>
+                          </a:ln>
+                          <a:solidFill>
+                            <a:schemeClr val="accent1">
+                              <a:lumMod val="75000"/>
+                            </a:schemeClr>
+                          </a:solidFill>
+                        </a:rPr>
+                        <a:t>작성방식</a:t>
+                      </a:r>
+                    </a:p>
+                  </a:txBody>
+                  <a:tcPr anchor="ctr">
+                    <a:lnL w="12700" cap="flat" cmpd="sng" algn="ctr">
+                      <a:solidFill>
+                        <a:schemeClr val="tx1"/>
+                      </a:solidFill>
+                      <a:prstDash val="solid"/>
+                      <a:round/>
+                      <a:headEnd type="none" w="med" len="med"/>
+                      <a:tailEnd type="none" w="med" len="med"/>
+                    </a:lnL>
+                    <a:lnR w="12700" cap="flat" cmpd="sng" algn="ctr">
+                      <a:solidFill>
+                        <a:schemeClr val="tx1"/>
+                      </a:solidFill>
+                      <a:prstDash val="solid"/>
+                      <a:round/>
+                      <a:headEnd type="none" w="med" len="med"/>
+                      <a:tailEnd type="none" w="med" len="med"/>
+                    </a:lnR>
+                    <a:lnT w="12700" cap="flat" cmpd="sng" algn="ctr">
+                      <a:solidFill>
+                        <a:schemeClr val="tx1"/>
+                      </a:solidFill>
+                      <a:prstDash val="solid"/>
+                      <a:round/>
+                      <a:headEnd type="none" w="med" len="med"/>
+                      <a:tailEnd type="none" w="med" len="med"/>
+                    </a:lnT>
+                    <a:lnB w="12700" cap="flat" cmpd="sng" algn="ctr">
+                      <a:solidFill>
+                        <a:schemeClr val="tx1"/>
+                      </a:solidFill>
+                      <a:prstDash val="solid"/>
+                      <a:round/>
+                      <a:headEnd type="none" w="med" len="med"/>
+                      <a:tailEnd type="none" w="med" len="med"/>
+                    </a:lnB>
+                    <a:lnTlToBr w="12700" cmpd="sng">
+                      <a:noFill/>
+                      <a:prstDash val="solid"/>
+                    </a:lnTlToBr>
+                    <a:lnBlToTr w="12700" cmpd="sng">
+                      <a:noFill/>
+                      <a:prstDash val="solid"/>
+                    </a:lnBlToTr>
+                    <a:solidFill>
+                      <a:schemeClr val="accent1">
+                        <a:lumMod val="60000"/>
+                        <a:lumOff val="40000"/>
+                      </a:schemeClr>
+                    </a:solidFill>
+                  </a:tcPr>
+                </a:tc>
+                <a:extLst>
+                  <a:ext uri="{0D108BD9-81ED-4DB2-BD59-A6C34878D82A}">
+                    <a16:rowId xmlns:a16="http://schemas.microsoft.com/office/drawing/2014/main" val="3904679130"/>
+                  </a:ext>
+                </a:extLst>
+              </a:tr>
+              <a:tr h="370840">
+                <a:tc>
+                  <a:txBody>
+                    <a:bodyPr/>
+                    <a:lstStyle/>
+                    <a:p>
+                      <a:pPr algn="ctr" latinLnBrk="1"/>
+                      <a:r>
+                        <a:rPr lang="ko-KR" altLang="en-US" dirty="0"/>
+                        <a:t>대화 텍스트 출력</a:t>
+                      </a:r>
+                    </a:p>
+                  </a:txBody>
+                  <a:tcPr anchor="ctr">
+                    <a:lnL w="12700" cap="flat" cmpd="sng" algn="ctr">
+                      <a:solidFill>
+                        <a:schemeClr val="tx1"/>
+                      </a:solidFill>
+                      <a:prstDash val="solid"/>
+                      <a:round/>
+                      <a:headEnd type="none" w="med" len="med"/>
+                      <a:tailEnd type="none" w="med" len="med"/>
+                    </a:lnL>
+                    <a:lnR w="12700" cap="flat" cmpd="sng" algn="ctr">
+                      <a:solidFill>
+                        <a:schemeClr val="tx1"/>
+                      </a:solidFill>
+                      <a:prstDash val="solid"/>
+                      <a:round/>
+                      <a:headEnd type="none" w="med" len="med"/>
+                      <a:tailEnd type="none" w="med" len="med"/>
+                    </a:lnR>
+                    <a:lnT w="12700" cap="flat" cmpd="sng" algn="ctr">
+                      <a:solidFill>
+                        <a:schemeClr val="tx1"/>
+                      </a:solidFill>
+                      <a:prstDash val="solid"/>
+                      <a:round/>
+                      <a:headEnd type="none" w="med" len="med"/>
+                      <a:tailEnd type="none" w="med" len="med"/>
+                    </a:lnT>
+                    <a:lnB w="12700" cap="flat" cmpd="sng" algn="ctr">
+                      <a:solidFill>
+                        <a:schemeClr val="tx1"/>
+                      </a:solidFill>
+                      <a:prstDash val="solid"/>
+                      <a:round/>
+                      <a:headEnd type="none" w="med" len="med"/>
+                      <a:tailEnd type="none" w="med" len="med"/>
+                    </a:lnB>
+                    <a:lnTlToBr w="12700" cmpd="sng">
+                      <a:noFill/>
+                      <a:prstDash val="solid"/>
+                    </a:lnTlToBr>
+                    <a:lnBlToTr w="12700" cmpd="sng">
+                      <a:noFill/>
+                      <a:prstDash val="solid"/>
+                    </a:lnBlToTr>
                     <a:solidFill>
                       <a:schemeClr val="bg1"/>
                     </a:solidFill>
@@ -5131,37 +5654,12 @@
                     <a:p>
                       <a:pPr algn="ctr" latinLnBrk="1"/>
                       <a:r>
-                        <a:rPr lang="en-US" altLang="ko-KR" sz="2000" dirty="0">
-                          <a:solidFill>
-                            <a:sysClr val="windowText" lastClr="000000"/>
-                          </a:solidFill>
-                        </a:rPr>
-                        <a:t>1</a:t>
+                        <a:rPr lang="ko-KR" altLang="en-US" dirty="0"/>
+                        <a:t>캐릭터들의 대화출력 변경을 지시</a:t>
                       </a:r>
-                      <a:r>
-                        <a:rPr lang="ko-KR" altLang="en-US" sz="2000" dirty="0">
-                          <a:solidFill>
-                            <a:sysClr val="windowText" lastClr="000000"/>
-                          </a:solidFill>
-                        </a:rPr>
-                        <a:t> </a:t>
-                      </a:r>
-                      <a:r>
-                        <a:rPr lang="en-US" altLang="ko-KR" sz="2000" dirty="0">
-                          <a:solidFill>
-                            <a:sysClr val="windowText" lastClr="000000"/>
-                          </a:solidFill>
-                        </a:rPr>
-                        <a:t>– 1</a:t>
-                      </a:r>
-                      <a:endParaRPr lang="ko-KR" altLang="en-US" sz="2000" dirty="0">
-                        <a:solidFill>
-                          <a:sysClr val="windowText" lastClr="000000"/>
-                        </a:solidFill>
-                      </a:endParaRPr>
                     </a:p>
                   </a:txBody>
-                  <a:tcPr>
+                  <a:tcPr anchor="ctr">
                     <a:lnL w="12700" cap="flat" cmpd="sng" algn="ctr">
                       <a:solidFill>
                         <a:schemeClr val="tx1"/>
@@ -5198,6 +5696,14 @@
                       <a:headEnd type="none" w="med" len="med"/>
                       <a:tailEnd type="none" w="med" len="med"/>
                     </a:lnB>
+                    <a:lnTlToBr w="12700" cmpd="sng">
+                      <a:noFill/>
+                      <a:prstDash val="solid"/>
+                    </a:lnTlToBr>
+                    <a:lnBlToTr w="12700" cmpd="sng">
+                      <a:noFill/>
+                      <a:prstDash val="solid"/>
+                    </a:lnBlToTr>
                     <a:solidFill>
                       <a:schemeClr val="bg1"/>
                     </a:solidFill>
@@ -5210,16 +5716,29 @@
                     <a:p>
                       <a:pPr algn="ctr" latinLnBrk="1"/>
                       <a:r>
-                        <a:rPr lang="ko-KR" altLang="en-US" sz="2000" dirty="0">
-                          <a:solidFill>
-                            <a:sysClr val="windowText" lastClr="000000"/>
-                          </a:solidFill>
-                        </a:rPr>
-                        <a:t>게임 시작하자마자 발생</a:t>
+                        <a:rPr lang="en-US" altLang="ko-KR" dirty="0"/>
+                        <a:t>Text(“</a:t>
                       </a:r>
+                      <a:r>
+                        <a:rPr lang="ko-KR" altLang="en-US" dirty="0"/>
+                        <a:t>캐릭터명</a:t>
+                      </a:r>
+                      <a:r>
+                        <a:rPr lang="en-US" altLang="ko-KR" dirty="0"/>
+                        <a:t>”, “</a:t>
+                      </a:r>
+                      <a:r>
+                        <a:rPr lang="ko-KR" altLang="en-US" dirty="0"/>
+                        <a:t>텍스트</a:t>
+                      </a:r>
+                      <a:r>
+                        <a:rPr lang="en-US" altLang="ko-KR" dirty="0"/>
+                        <a:t>”)</a:t>
+                      </a:r>
+                      <a:endParaRPr lang="ko-KR" altLang="en-US" dirty="0"/>
                     </a:p>
                   </a:txBody>
-                  <a:tcPr>
+                  <a:tcPr anchor="ctr">
                     <a:lnL w="12700" cap="flat" cmpd="sng" algn="ctr">
                       <a:solidFill>
                         <a:schemeClr val="tx1"/>
@@ -5256,6 +5775,14 @@
                       <a:headEnd type="none" w="med" len="med"/>
                       <a:tailEnd type="none" w="med" len="med"/>
                     </a:lnB>
+                    <a:lnTlToBr w="12700" cmpd="sng">
+                      <a:noFill/>
+                      <a:prstDash val="solid"/>
+                    </a:lnTlToBr>
+                    <a:lnBlToTr w="12700" cmpd="sng">
+                      <a:noFill/>
+                      <a:prstDash val="solid"/>
+                    </a:lnBlToTr>
                     <a:solidFill>
                       <a:schemeClr val="bg1"/>
                     </a:solidFill>
@@ -5263,7 +5790,806 @@
                 </a:tc>
                 <a:extLst>
                   <a:ext uri="{0D108BD9-81ED-4DB2-BD59-A6C34878D82A}">
-                    <a16:rowId xmlns:a16="http://schemas.microsoft.com/office/drawing/2014/main" val="4262681384"/>
+                    <a16:rowId xmlns:a16="http://schemas.microsoft.com/office/drawing/2014/main" val="2848462926"/>
+                  </a:ext>
+                </a:extLst>
+              </a:tr>
+              <a:tr h="370840">
+                <a:tc>
+                  <a:txBody>
+                    <a:bodyPr/>
+                    <a:lstStyle/>
+                    <a:p>
+                      <a:pPr algn="ctr" latinLnBrk="1"/>
+                      <a:r>
+                        <a:rPr lang="ko-KR" altLang="en-US" dirty="0"/>
+                        <a:t>초상화 </a:t>
+                      </a:r>
+                      <a:r>
+                        <a:rPr lang="en-US" altLang="ko-KR" dirty="0"/>
+                        <a:t>UI</a:t>
+                      </a:r>
+                      <a:endParaRPr lang="ko-KR" altLang="en-US" dirty="0"/>
+                    </a:p>
+                  </a:txBody>
+                  <a:tcPr anchor="ctr">
+                    <a:lnL w="12700" cap="flat" cmpd="sng" algn="ctr">
+                      <a:solidFill>
+                        <a:schemeClr val="tx1"/>
+                      </a:solidFill>
+                      <a:prstDash val="solid"/>
+                      <a:round/>
+                      <a:headEnd type="none" w="med" len="med"/>
+                      <a:tailEnd type="none" w="med" len="med"/>
+                    </a:lnL>
+                    <a:lnR w="12700" cap="flat" cmpd="sng" algn="ctr">
+                      <a:solidFill>
+                        <a:schemeClr val="tx1"/>
+                      </a:solidFill>
+                      <a:prstDash val="solid"/>
+                      <a:round/>
+                      <a:headEnd type="none" w="med" len="med"/>
+                      <a:tailEnd type="none" w="med" len="med"/>
+                    </a:lnR>
+                    <a:lnT w="12700" cap="flat" cmpd="sng" algn="ctr">
+                      <a:solidFill>
+                        <a:schemeClr val="tx1"/>
+                      </a:solidFill>
+                      <a:prstDash val="solid"/>
+                      <a:round/>
+                      <a:headEnd type="none" w="med" len="med"/>
+                      <a:tailEnd type="none" w="med" len="med"/>
+                    </a:lnT>
+                    <a:lnB w="12700" cap="flat" cmpd="sng" algn="ctr">
+                      <a:solidFill>
+                        <a:schemeClr val="tx1"/>
+                      </a:solidFill>
+                      <a:prstDash val="solid"/>
+                      <a:round/>
+                      <a:headEnd type="none" w="med" len="med"/>
+                      <a:tailEnd type="none" w="med" len="med"/>
+                    </a:lnB>
+                    <a:lnTlToBr w="12700" cmpd="sng">
+                      <a:noFill/>
+                      <a:prstDash val="solid"/>
+                    </a:lnTlToBr>
+                    <a:lnBlToTr w="12700" cmpd="sng">
+                      <a:noFill/>
+                      <a:prstDash val="solid"/>
+                    </a:lnBlToTr>
+                    <a:solidFill>
+                      <a:schemeClr val="bg1"/>
+                    </a:solidFill>
+                  </a:tcPr>
+                </a:tc>
+                <a:tc>
+                  <a:txBody>
+                    <a:bodyPr/>
+                    <a:lstStyle/>
+                    <a:p>
+                      <a:pPr algn="ctr" latinLnBrk="1"/>
+                      <a:r>
+                        <a:rPr lang="ko-KR" altLang="en-US" dirty="0"/>
+                        <a:t>초상화 출력 변경을 지시</a:t>
+                      </a:r>
+                    </a:p>
+                  </a:txBody>
+                  <a:tcPr anchor="ctr">
+                    <a:lnL w="12700" cap="flat" cmpd="sng" algn="ctr">
+                      <a:solidFill>
+                        <a:schemeClr val="tx1"/>
+                      </a:solidFill>
+                      <a:prstDash val="solid"/>
+                      <a:round/>
+                      <a:headEnd type="none" w="med" len="med"/>
+                      <a:tailEnd type="none" w="med" len="med"/>
+                    </a:lnL>
+                    <a:lnR w="12700" cap="flat" cmpd="sng" algn="ctr">
+                      <a:solidFill>
+                        <a:schemeClr val="tx1"/>
+                      </a:solidFill>
+                      <a:prstDash val="solid"/>
+                      <a:round/>
+                      <a:headEnd type="none" w="med" len="med"/>
+                      <a:tailEnd type="none" w="med" len="med"/>
+                    </a:lnR>
+                    <a:lnT w="12700" cap="flat" cmpd="sng" algn="ctr">
+                      <a:solidFill>
+                        <a:schemeClr val="tx1"/>
+                      </a:solidFill>
+                      <a:prstDash val="solid"/>
+                      <a:round/>
+                      <a:headEnd type="none" w="med" len="med"/>
+                      <a:tailEnd type="none" w="med" len="med"/>
+                    </a:lnT>
+                    <a:lnB w="12700" cap="flat" cmpd="sng" algn="ctr">
+                      <a:solidFill>
+                        <a:schemeClr val="tx1"/>
+                      </a:solidFill>
+                      <a:prstDash val="solid"/>
+                      <a:round/>
+                      <a:headEnd type="none" w="med" len="med"/>
+                      <a:tailEnd type="none" w="med" len="med"/>
+                    </a:lnB>
+                    <a:lnTlToBr w="12700" cmpd="sng">
+                      <a:noFill/>
+                      <a:prstDash val="solid"/>
+                    </a:lnTlToBr>
+                    <a:lnBlToTr w="12700" cmpd="sng">
+                      <a:noFill/>
+                      <a:prstDash val="solid"/>
+                    </a:lnBlToTr>
+                    <a:solidFill>
+                      <a:schemeClr val="bg1"/>
+                    </a:solidFill>
+                  </a:tcPr>
+                </a:tc>
+                <a:tc>
+                  <a:txBody>
+                    <a:bodyPr/>
+                    <a:lstStyle/>
+                    <a:p>
+                      <a:pPr algn="ctr" latinLnBrk="1"/>
+                      <a:r>
+                        <a:rPr lang="en-US" altLang="ko-KR" dirty="0" err="1"/>
+                        <a:t>Prt</a:t>
+                      </a:r>
+                      <a:r>
+                        <a:rPr lang="en-US" altLang="ko-KR" dirty="0"/>
+                        <a:t>(“</a:t>
+                      </a:r>
+                      <a:r>
+                        <a:rPr lang="ko-KR" altLang="en-US" dirty="0"/>
+                        <a:t>초상화 번호</a:t>
+                      </a:r>
+                      <a:r>
+                        <a:rPr lang="en-US" altLang="ko-KR" dirty="0"/>
+                        <a:t>”, “</a:t>
+                      </a:r>
+                      <a:r>
+                        <a:rPr lang="ko-KR" altLang="en-US" dirty="0"/>
+                        <a:t>출력할 초상화</a:t>
+                      </a:r>
+                      <a:r>
+                        <a:rPr lang="en-US" altLang="ko-KR" dirty="0"/>
+                        <a:t> </a:t>
+                      </a:r>
+                      <a:r>
+                        <a:rPr lang="ko-KR" altLang="en-US" dirty="0"/>
+                        <a:t>이름</a:t>
+                      </a:r>
+                      <a:r>
+                        <a:rPr lang="en-US" altLang="ko-KR" dirty="0"/>
+                        <a:t>”)</a:t>
+                      </a:r>
+                      <a:endParaRPr lang="ko-KR" altLang="en-US" dirty="0"/>
+                    </a:p>
+                  </a:txBody>
+                  <a:tcPr anchor="ctr">
+                    <a:lnL w="12700" cap="flat" cmpd="sng" algn="ctr">
+                      <a:solidFill>
+                        <a:schemeClr val="tx1"/>
+                      </a:solidFill>
+                      <a:prstDash val="solid"/>
+                      <a:round/>
+                      <a:headEnd type="none" w="med" len="med"/>
+                      <a:tailEnd type="none" w="med" len="med"/>
+                    </a:lnL>
+                    <a:lnR w="12700" cap="flat" cmpd="sng" algn="ctr">
+                      <a:solidFill>
+                        <a:schemeClr val="tx1"/>
+                      </a:solidFill>
+                      <a:prstDash val="solid"/>
+                      <a:round/>
+                      <a:headEnd type="none" w="med" len="med"/>
+                      <a:tailEnd type="none" w="med" len="med"/>
+                    </a:lnR>
+                    <a:lnT w="12700" cap="flat" cmpd="sng" algn="ctr">
+                      <a:solidFill>
+                        <a:schemeClr val="tx1"/>
+                      </a:solidFill>
+                      <a:prstDash val="solid"/>
+                      <a:round/>
+                      <a:headEnd type="none" w="med" len="med"/>
+                      <a:tailEnd type="none" w="med" len="med"/>
+                    </a:lnT>
+                    <a:lnB w="12700" cap="flat" cmpd="sng" algn="ctr">
+                      <a:solidFill>
+                        <a:schemeClr val="tx1"/>
+                      </a:solidFill>
+                      <a:prstDash val="solid"/>
+                      <a:round/>
+                      <a:headEnd type="none" w="med" len="med"/>
+                      <a:tailEnd type="none" w="med" len="med"/>
+                    </a:lnB>
+                    <a:lnTlToBr w="12700" cmpd="sng">
+                      <a:noFill/>
+                      <a:prstDash val="solid"/>
+                    </a:lnTlToBr>
+                    <a:lnBlToTr w="12700" cmpd="sng">
+                      <a:noFill/>
+                      <a:prstDash val="solid"/>
+                    </a:lnBlToTr>
+                    <a:solidFill>
+                      <a:schemeClr val="bg1"/>
+                    </a:solidFill>
+                  </a:tcPr>
+                </a:tc>
+                <a:extLst>
+                  <a:ext uri="{0D108BD9-81ED-4DB2-BD59-A6C34878D82A}">
+                    <a16:rowId xmlns:a16="http://schemas.microsoft.com/office/drawing/2014/main" val="1234540919"/>
+                  </a:ext>
+                </a:extLst>
+              </a:tr>
+              <a:tr h="370840">
+                <a:tc>
+                  <a:txBody>
+                    <a:bodyPr/>
+                    <a:lstStyle/>
+                    <a:p>
+                      <a:pPr algn="ctr" latinLnBrk="1"/>
+                      <a:r>
+                        <a:rPr lang="ko-KR" altLang="en-US" dirty="0"/>
+                        <a:t>카메라 위치</a:t>
+                      </a:r>
+                    </a:p>
+                  </a:txBody>
+                  <a:tcPr anchor="ctr">
+                    <a:lnL w="12700" cap="flat" cmpd="sng" algn="ctr">
+                      <a:solidFill>
+                        <a:schemeClr val="tx1"/>
+                      </a:solidFill>
+                      <a:prstDash val="solid"/>
+                      <a:round/>
+                      <a:headEnd type="none" w="med" len="med"/>
+                      <a:tailEnd type="none" w="med" len="med"/>
+                    </a:lnL>
+                    <a:lnR w="12700" cap="flat" cmpd="sng" algn="ctr">
+                      <a:solidFill>
+                        <a:schemeClr val="tx1"/>
+                      </a:solidFill>
+                      <a:prstDash val="solid"/>
+                      <a:round/>
+                      <a:headEnd type="none" w="med" len="med"/>
+                      <a:tailEnd type="none" w="med" len="med"/>
+                    </a:lnR>
+                    <a:lnT w="12700" cap="flat" cmpd="sng" algn="ctr">
+                      <a:solidFill>
+                        <a:schemeClr val="tx1"/>
+                      </a:solidFill>
+                      <a:prstDash val="solid"/>
+                      <a:round/>
+                      <a:headEnd type="none" w="med" len="med"/>
+                      <a:tailEnd type="none" w="med" len="med"/>
+                    </a:lnT>
+                    <a:lnB w="12700" cap="flat" cmpd="sng" algn="ctr">
+                      <a:solidFill>
+                        <a:schemeClr val="tx1"/>
+                      </a:solidFill>
+                      <a:prstDash val="solid"/>
+                      <a:round/>
+                      <a:headEnd type="none" w="med" len="med"/>
+                      <a:tailEnd type="none" w="med" len="med"/>
+                    </a:lnB>
+                    <a:lnTlToBr w="12700" cmpd="sng">
+                      <a:noFill/>
+                      <a:prstDash val="solid"/>
+                    </a:lnTlToBr>
+                    <a:lnBlToTr w="12700" cmpd="sng">
+                      <a:noFill/>
+                      <a:prstDash val="solid"/>
+                    </a:lnBlToTr>
+                    <a:solidFill>
+                      <a:schemeClr val="bg1"/>
+                    </a:solidFill>
+                  </a:tcPr>
+                </a:tc>
+                <a:tc>
+                  <a:txBody>
+                    <a:bodyPr/>
+                    <a:lstStyle/>
+                    <a:p>
+                      <a:pPr algn="ctr" latinLnBrk="1"/>
+                      <a:r>
+                        <a:rPr lang="ko-KR" altLang="en-US" dirty="0"/>
+                        <a:t>카메라 위치에 대한 세부사항을 지시</a:t>
+                      </a:r>
+                    </a:p>
+                  </a:txBody>
+                  <a:tcPr anchor="ctr">
+                    <a:lnL w="12700" cap="flat" cmpd="sng" algn="ctr">
+                      <a:solidFill>
+                        <a:schemeClr val="tx1"/>
+                      </a:solidFill>
+                      <a:prstDash val="solid"/>
+                      <a:round/>
+                      <a:headEnd type="none" w="med" len="med"/>
+                      <a:tailEnd type="none" w="med" len="med"/>
+                    </a:lnL>
+                    <a:lnR w="12700" cap="flat" cmpd="sng" algn="ctr">
+                      <a:solidFill>
+                        <a:schemeClr val="tx1"/>
+                      </a:solidFill>
+                      <a:prstDash val="solid"/>
+                      <a:round/>
+                      <a:headEnd type="none" w="med" len="med"/>
+                      <a:tailEnd type="none" w="med" len="med"/>
+                    </a:lnR>
+                    <a:lnT w="12700" cap="flat" cmpd="sng" algn="ctr">
+                      <a:solidFill>
+                        <a:schemeClr val="tx1"/>
+                      </a:solidFill>
+                      <a:prstDash val="solid"/>
+                      <a:round/>
+                      <a:headEnd type="none" w="med" len="med"/>
+                      <a:tailEnd type="none" w="med" len="med"/>
+                    </a:lnT>
+                    <a:lnB w="12700" cap="flat" cmpd="sng" algn="ctr">
+                      <a:solidFill>
+                        <a:schemeClr val="tx1"/>
+                      </a:solidFill>
+                      <a:prstDash val="solid"/>
+                      <a:round/>
+                      <a:headEnd type="none" w="med" len="med"/>
+                      <a:tailEnd type="none" w="med" len="med"/>
+                    </a:lnB>
+                    <a:lnTlToBr w="12700" cmpd="sng">
+                      <a:noFill/>
+                      <a:prstDash val="solid"/>
+                    </a:lnTlToBr>
+                    <a:lnBlToTr w="12700" cmpd="sng">
+                      <a:noFill/>
+                      <a:prstDash val="solid"/>
+                    </a:lnBlToTr>
+                    <a:solidFill>
+                      <a:schemeClr val="bg1"/>
+                    </a:solidFill>
+                  </a:tcPr>
+                </a:tc>
+                <a:tc>
+                  <a:txBody>
+                    <a:bodyPr/>
+                    <a:lstStyle/>
+                    <a:p>
+                      <a:pPr algn="ctr" latinLnBrk="1"/>
+                      <a:r>
+                        <a:rPr lang="en-US" altLang="ko-KR" dirty="0"/>
+                        <a:t>Loc(“x”, “y”, “z”)</a:t>
+                      </a:r>
+                      <a:endParaRPr lang="ko-KR" altLang="en-US" dirty="0"/>
+                    </a:p>
+                  </a:txBody>
+                  <a:tcPr anchor="ctr">
+                    <a:lnL w="12700" cap="flat" cmpd="sng" algn="ctr">
+                      <a:solidFill>
+                        <a:schemeClr val="tx1"/>
+                      </a:solidFill>
+                      <a:prstDash val="solid"/>
+                      <a:round/>
+                      <a:headEnd type="none" w="med" len="med"/>
+                      <a:tailEnd type="none" w="med" len="med"/>
+                    </a:lnL>
+                    <a:lnR w="12700" cap="flat" cmpd="sng" algn="ctr">
+                      <a:solidFill>
+                        <a:schemeClr val="tx1"/>
+                      </a:solidFill>
+                      <a:prstDash val="solid"/>
+                      <a:round/>
+                      <a:headEnd type="none" w="med" len="med"/>
+                      <a:tailEnd type="none" w="med" len="med"/>
+                    </a:lnR>
+                    <a:lnT w="12700" cap="flat" cmpd="sng" algn="ctr">
+                      <a:solidFill>
+                        <a:schemeClr val="tx1"/>
+                      </a:solidFill>
+                      <a:prstDash val="solid"/>
+                      <a:round/>
+                      <a:headEnd type="none" w="med" len="med"/>
+                      <a:tailEnd type="none" w="med" len="med"/>
+                    </a:lnT>
+                    <a:lnB w="12700" cap="flat" cmpd="sng" algn="ctr">
+                      <a:solidFill>
+                        <a:schemeClr val="tx1"/>
+                      </a:solidFill>
+                      <a:prstDash val="solid"/>
+                      <a:round/>
+                      <a:headEnd type="none" w="med" len="med"/>
+                      <a:tailEnd type="none" w="med" len="med"/>
+                    </a:lnB>
+                    <a:lnTlToBr w="12700" cmpd="sng">
+                      <a:noFill/>
+                      <a:prstDash val="solid"/>
+                    </a:lnTlToBr>
+                    <a:lnBlToTr w="12700" cmpd="sng">
+                      <a:noFill/>
+                      <a:prstDash val="solid"/>
+                    </a:lnBlToTr>
+                    <a:solidFill>
+                      <a:schemeClr val="bg1"/>
+                    </a:solidFill>
+                  </a:tcPr>
+                </a:tc>
+                <a:extLst>
+                  <a:ext uri="{0D108BD9-81ED-4DB2-BD59-A6C34878D82A}">
+                    <a16:rowId xmlns:a16="http://schemas.microsoft.com/office/drawing/2014/main" val="1448645170"/>
+                  </a:ext>
+                </a:extLst>
+              </a:tr>
+              <a:tr h="370840">
+                <a:tc>
+                  <a:txBody>
+                    <a:bodyPr/>
+                    <a:lstStyle/>
+                    <a:p>
+                      <a:pPr algn="ctr" latinLnBrk="1"/>
+                      <a:r>
+                        <a:rPr lang="ko-KR" altLang="en-US" dirty="0"/>
+                        <a:t>카메라 각도</a:t>
+                      </a:r>
+                    </a:p>
+                  </a:txBody>
+                  <a:tcPr anchor="ctr">
+                    <a:lnL w="12700" cap="flat" cmpd="sng" algn="ctr">
+                      <a:solidFill>
+                        <a:schemeClr val="tx1"/>
+                      </a:solidFill>
+                      <a:prstDash val="solid"/>
+                      <a:round/>
+                      <a:headEnd type="none" w="med" len="med"/>
+                      <a:tailEnd type="none" w="med" len="med"/>
+                    </a:lnL>
+                    <a:lnR w="12700" cap="flat" cmpd="sng" algn="ctr">
+                      <a:solidFill>
+                        <a:schemeClr val="tx1"/>
+                      </a:solidFill>
+                      <a:prstDash val="solid"/>
+                      <a:round/>
+                      <a:headEnd type="none" w="med" len="med"/>
+                      <a:tailEnd type="none" w="med" len="med"/>
+                    </a:lnR>
+                    <a:lnT w="12700" cap="flat" cmpd="sng" algn="ctr">
+                      <a:solidFill>
+                        <a:schemeClr val="tx1"/>
+                      </a:solidFill>
+                      <a:prstDash val="solid"/>
+                      <a:round/>
+                      <a:headEnd type="none" w="med" len="med"/>
+                      <a:tailEnd type="none" w="med" len="med"/>
+                    </a:lnT>
+                    <a:lnB w="12700" cap="flat" cmpd="sng" algn="ctr">
+                      <a:solidFill>
+                        <a:schemeClr val="tx1"/>
+                      </a:solidFill>
+                      <a:prstDash val="solid"/>
+                      <a:round/>
+                      <a:headEnd type="none" w="med" len="med"/>
+                      <a:tailEnd type="none" w="med" len="med"/>
+                    </a:lnB>
+                    <a:lnTlToBr w="12700" cmpd="sng">
+                      <a:noFill/>
+                      <a:prstDash val="solid"/>
+                    </a:lnTlToBr>
+                    <a:lnBlToTr w="12700" cmpd="sng">
+                      <a:noFill/>
+                      <a:prstDash val="solid"/>
+                    </a:lnBlToTr>
+                    <a:solidFill>
+                      <a:schemeClr val="bg1"/>
+                    </a:solidFill>
+                  </a:tcPr>
+                </a:tc>
+                <a:tc>
+                  <a:txBody>
+                    <a:bodyPr/>
+                    <a:lstStyle/>
+                    <a:p>
+                      <a:pPr algn="ctr" latinLnBrk="1"/>
+                      <a:r>
+                        <a:rPr lang="ko-KR" altLang="en-US" dirty="0"/>
+                        <a:t>카메라 각도에 대한 세부사항을 지시</a:t>
+                      </a:r>
+                    </a:p>
+                  </a:txBody>
+                  <a:tcPr anchor="ctr">
+                    <a:lnL w="12700" cap="flat" cmpd="sng" algn="ctr">
+                      <a:solidFill>
+                        <a:schemeClr val="tx1"/>
+                      </a:solidFill>
+                      <a:prstDash val="solid"/>
+                      <a:round/>
+                      <a:headEnd type="none" w="med" len="med"/>
+                      <a:tailEnd type="none" w="med" len="med"/>
+                    </a:lnL>
+                    <a:lnR w="12700" cap="flat" cmpd="sng" algn="ctr">
+                      <a:solidFill>
+                        <a:schemeClr val="tx1"/>
+                      </a:solidFill>
+                      <a:prstDash val="solid"/>
+                      <a:round/>
+                      <a:headEnd type="none" w="med" len="med"/>
+                      <a:tailEnd type="none" w="med" len="med"/>
+                    </a:lnR>
+                    <a:lnT w="12700" cap="flat" cmpd="sng" algn="ctr">
+                      <a:solidFill>
+                        <a:schemeClr val="tx1"/>
+                      </a:solidFill>
+                      <a:prstDash val="solid"/>
+                      <a:round/>
+                      <a:headEnd type="none" w="med" len="med"/>
+                      <a:tailEnd type="none" w="med" len="med"/>
+                    </a:lnT>
+                    <a:lnB w="12700" cap="flat" cmpd="sng" algn="ctr">
+                      <a:solidFill>
+                        <a:schemeClr val="tx1"/>
+                      </a:solidFill>
+                      <a:prstDash val="solid"/>
+                      <a:round/>
+                      <a:headEnd type="none" w="med" len="med"/>
+                      <a:tailEnd type="none" w="med" len="med"/>
+                    </a:lnB>
+                    <a:lnTlToBr w="12700" cmpd="sng">
+                      <a:noFill/>
+                      <a:prstDash val="solid"/>
+                    </a:lnTlToBr>
+                    <a:lnBlToTr w="12700" cmpd="sng">
+                      <a:noFill/>
+                      <a:prstDash val="solid"/>
+                    </a:lnBlToTr>
+                    <a:solidFill>
+                      <a:schemeClr val="bg1"/>
+                    </a:solidFill>
+                  </a:tcPr>
+                </a:tc>
+                <a:tc>
+                  <a:txBody>
+                    <a:bodyPr/>
+                    <a:lstStyle/>
+                    <a:p>
+                      <a:pPr algn="ctr" latinLnBrk="1"/>
+                      <a:r>
+                        <a:rPr lang="en-US" altLang="ko-KR" dirty="0"/>
+                        <a:t>Rot(“x”, “y”, “z”)</a:t>
+                      </a:r>
+                      <a:endParaRPr lang="ko-KR" altLang="en-US" dirty="0"/>
+                    </a:p>
+                  </a:txBody>
+                  <a:tcPr anchor="ctr">
+                    <a:lnL w="12700" cap="flat" cmpd="sng" algn="ctr">
+                      <a:solidFill>
+                        <a:schemeClr val="tx1"/>
+                      </a:solidFill>
+                      <a:prstDash val="solid"/>
+                      <a:round/>
+                      <a:headEnd type="none" w="med" len="med"/>
+                      <a:tailEnd type="none" w="med" len="med"/>
+                    </a:lnL>
+                    <a:lnR w="12700" cap="flat" cmpd="sng" algn="ctr">
+                      <a:solidFill>
+                        <a:schemeClr val="tx1"/>
+                      </a:solidFill>
+                      <a:prstDash val="solid"/>
+                      <a:round/>
+                      <a:headEnd type="none" w="med" len="med"/>
+                      <a:tailEnd type="none" w="med" len="med"/>
+                    </a:lnR>
+                    <a:lnT w="12700" cap="flat" cmpd="sng" algn="ctr">
+                      <a:solidFill>
+                        <a:schemeClr val="tx1"/>
+                      </a:solidFill>
+                      <a:prstDash val="solid"/>
+                      <a:round/>
+                      <a:headEnd type="none" w="med" len="med"/>
+                      <a:tailEnd type="none" w="med" len="med"/>
+                    </a:lnT>
+                    <a:lnB w="12700" cap="flat" cmpd="sng" algn="ctr">
+                      <a:solidFill>
+                        <a:schemeClr val="tx1"/>
+                      </a:solidFill>
+                      <a:prstDash val="solid"/>
+                      <a:round/>
+                      <a:headEnd type="none" w="med" len="med"/>
+                      <a:tailEnd type="none" w="med" len="med"/>
+                    </a:lnB>
+                    <a:lnTlToBr w="12700" cmpd="sng">
+                      <a:noFill/>
+                      <a:prstDash val="solid"/>
+                    </a:lnTlToBr>
+                    <a:lnBlToTr w="12700" cmpd="sng">
+                      <a:noFill/>
+                      <a:prstDash val="solid"/>
+                    </a:lnBlToTr>
+                    <a:solidFill>
+                      <a:schemeClr val="bg1"/>
+                    </a:solidFill>
+                  </a:tcPr>
+                </a:tc>
+                <a:extLst>
+                  <a:ext uri="{0D108BD9-81ED-4DB2-BD59-A6C34878D82A}">
+                    <a16:rowId xmlns:a16="http://schemas.microsoft.com/office/drawing/2014/main" val="3111388644"/>
+                  </a:ext>
+                </a:extLst>
+              </a:tr>
+              <a:tr h="370840">
+                <a:tc>
+                  <a:txBody>
+                    <a:bodyPr/>
+                    <a:lstStyle/>
+                    <a:p>
+                      <a:pPr algn="ctr" latinLnBrk="1"/>
+                      <a:endParaRPr lang="ko-KR" altLang="en-US" dirty="0"/>
+                    </a:p>
+                  </a:txBody>
+                  <a:tcPr anchor="ctr">
+                    <a:lnL w="12700" cap="flat" cmpd="sng" algn="ctr">
+                      <a:solidFill>
+                        <a:schemeClr val="tx1"/>
+                      </a:solidFill>
+                      <a:prstDash val="solid"/>
+                      <a:round/>
+                      <a:headEnd type="none" w="med" len="med"/>
+                      <a:tailEnd type="none" w="med" len="med"/>
+                    </a:lnL>
+                    <a:lnR w="12700" cap="flat" cmpd="sng" algn="ctr">
+                      <a:solidFill>
+                        <a:schemeClr val="tx1"/>
+                      </a:solidFill>
+                      <a:prstDash val="solid"/>
+                      <a:round/>
+                      <a:headEnd type="none" w="med" len="med"/>
+                      <a:tailEnd type="none" w="med" len="med"/>
+                    </a:lnR>
+                    <a:lnT w="12700" cap="flat" cmpd="sng" algn="ctr">
+                      <a:solidFill>
+                        <a:schemeClr val="tx1"/>
+                      </a:solidFill>
+                      <a:prstDash val="solid"/>
+                      <a:round/>
+                      <a:headEnd type="none" w="med" len="med"/>
+                      <a:tailEnd type="none" w="med" len="med"/>
+                    </a:lnT>
+                    <a:lnB w="12700" cap="flat" cmpd="sng" algn="ctr">
+                      <a:solidFill>
+                        <a:schemeClr val="tx1"/>
+                      </a:solidFill>
+                      <a:prstDash val="solid"/>
+                      <a:round/>
+                      <a:headEnd type="none" w="med" len="med"/>
+                      <a:tailEnd type="none" w="med" len="med"/>
+                    </a:lnB>
+                    <a:lnTlToBr w="12700" cmpd="sng">
+                      <a:noFill/>
+                      <a:prstDash val="solid"/>
+                    </a:lnTlToBr>
+                    <a:lnBlToTr w="12700" cmpd="sng">
+                      <a:noFill/>
+                      <a:prstDash val="solid"/>
+                    </a:lnBlToTr>
+                    <a:solidFill>
+                      <a:schemeClr val="bg1"/>
+                    </a:solidFill>
+                  </a:tcPr>
+                </a:tc>
+                <a:tc>
+                  <a:txBody>
+                    <a:bodyPr/>
+                    <a:lstStyle/>
+                    <a:p>
+                      <a:pPr algn="ctr" latinLnBrk="1"/>
+                      <a:endParaRPr lang="ko-KR" altLang="en-US" dirty="0"/>
+                    </a:p>
+                  </a:txBody>
+                  <a:tcPr anchor="ctr">
+                    <a:lnL w="12700" cap="flat" cmpd="sng" algn="ctr">
+                      <a:solidFill>
+                        <a:schemeClr val="tx1"/>
+                      </a:solidFill>
+                      <a:prstDash val="solid"/>
+                      <a:round/>
+                      <a:headEnd type="none" w="med" len="med"/>
+                      <a:tailEnd type="none" w="med" len="med"/>
+                    </a:lnL>
+                    <a:lnR w="12700" cap="flat" cmpd="sng" algn="ctr">
+                      <a:solidFill>
+                        <a:schemeClr val="tx1"/>
+                      </a:solidFill>
+                      <a:prstDash val="solid"/>
+                      <a:round/>
+                      <a:headEnd type="none" w="med" len="med"/>
+                      <a:tailEnd type="none" w="med" len="med"/>
+                    </a:lnR>
+                    <a:lnT w="12700" cap="flat" cmpd="sng" algn="ctr">
+                      <a:solidFill>
+                        <a:schemeClr val="tx1"/>
+                      </a:solidFill>
+                      <a:prstDash val="solid"/>
+                      <a:round/>
+                      <a:headEnd type="none" w="med" len="med"/>
+                      <a:tailEnd type="none" w="med" len="med"/>
+                    </a:lnT>
+                    <a:lnB w="12700" cap="flat" cmpd="sng" algn="ctr">
+                      <a:solidFill>
+                        <a:schemeClr val="tx1"/>
+                      </a:solidFill>
+                      <a:prstDash val="solid"/>
+                      <a:round/>
+                      <a:headEnd type="none" w="med" len="med"/>
+                      <a:tailEnd type="none" w="med" len="med"/>
+                    </a:lnB>
+                    <a:lnTlToBr w="12700" cmpd="sng">
+                      <a:noFill/>
+                      <a:prstDash val="solid"/>
+                    </a:lnTlToBr>
+                    <a:lnBlToTr w="12700" cmpd="sng">
+                      <a:noFill/>
+                      <a:prstDash val="solid"/>
+                    </a:lnBlToTr>
+                    <a:solidFill>
+                      <a:schemeClr val="bg1"/>
+                    </a:solidFill>
+                  </a:tcPr>
+                </a:tc>
+                <a:tc>
+                  <a:txBody>
+                    <a:bodyPr/>
+                    <a:lstStyle/>
+                    <a:p>
+                      <a:pPr algn="ctr" latinLnBrk="1"/>
+                      <a:endParaRPr lang="ko-KR" altLang="en-US" dirty="0"/>
+                    </a:p>
+                  </a:txBody>
+                  <a:tcPr anchor="ctr">
+                    <a:lnL w="12700" cap="flat" cmpd="sng" algn="ctr">
+                      <a:solidFill>
+                        <a:schemeClr val="tx1"/>
+                      </a:solidFill>
+                      <a:prstDash val="solid"/>
+                      <a:round/>
+                      <a:headEnd type="none" w="med" len="med"/>
+                      <a:tailEnd type="none" w="med" len="med"/>
+                    </a:lnL>
+                    <a:lnR w="12700" cap="flat" cmpd="sng" algn="ctr">
+                      <a:solidFill>
+                        <a:schemeClr val="tx1"/>
+                      </a:solidFill>
+                      <a:prstDash val="solid"/>
+                      <a:round/>
+                      <a:headEnd type="none" w="med" len="med"/>
+                      <a:tailEnd type="none" w="med" len="med"/>
+                    </a:lnR>
+                    <a:lnT w="12700" cap="flat" cmpd="sng" algn="ctr">
+                      <a:solidFill>
+                        <a:schemeClr val="tx1"/>
+                      </a:solidFill>
+                      <a:prstDash val="solid"/>
+                      <a:round/>
+                      <a:headEnd type="none" w="med" len="med"/>
+                      <a:tailEnd type="none" w="med" len="med"/>
+                    </a:lnT>
+                    <a:lnB w="12700" cap="flat" cmpd="sng" algn="ctr">
+                      <a:solidFill>
+                        <a:schemeClr val="tx1"/>
+                      </a:solidFill>
+                      <a:prstDash val="solid"/>
+                      <a:round/>
+                      <a:headEnd type="none" w="med" len="med"/>
+                      <a:tailEnd type="none" w="med" len="med"/>
+                    </a:lnB>
+                    <a:lnTlToBr w="12700" cmpd="sng">
+                      <a:noFill/>
+                      <a:prstDash val="solid"/>
+                    </a:lnTlToBr>
+                    <a:lnBlToTr w="12700" cmpd="sng">
+                      <a:noFill/>
+                      <a:prstDash val="solid"/>
+                    </a:lnBlToTr>
+                    <a:solidFill>
+                      <a:schemeClr val="bg1"/>
+                    </a:solidFill>
+                  </a:tcPr>
+                </a:tc>
+                <a:extLst>
+                  <a:ext uri="{0D108BD9-81ED-4DB2-BD59-A6C34878D82A}">
+                    <a16:rowId xmlns:a16="http://schemas.microsoft.com/office/drawing/2014/main" val="3780462031"/>
                   </a:ext>
                 </a:extLst>
               </a:tr>
@@ -5274,7 +6600,7 @@
     </p:spTree>
     <p:extLst>
       <p:ext uri="{BB962C8B-B14F-4D97-AF65-F5344CB8AC3E}">
-        <p14:creationId xmlns:p14="http://schemas.microsoft.com/office/powerpoint/2010/main" val="4033536387"/>
+        <p14:creationId xmlns:p14="http://schemas.microsoft.com/office/powerpoint/2010/main" val="3256396586"/>
       </p:ext>
     </p:extLst>
   </p:cSld>

--- a/기획서/문서/이벤트 연출 기획.pptx
+++ b/기획서/문서/이벤트 연출 기획.pptx
@@ -14,7 +14,7 @@
     <p:sldId id="256" r:id="rId2"/>
     <p:sldId id="257" r:id="rId3"/>
     <p:sldId id="260" r:id="rId4"/>
-    <p:sldId id="261" r:id="rId5"/>
+    <p:sldId id="259" r:id="rId5"/>
   </p:sldIdLst>
   <p:sldSz cx="17610138" cy="9906000"/>
   <p:notesSz cx="6858000" cy="9144000"/>
@@ -215,7 +215,7 @@
           <a:p>
             <a:fld id="{D686C50E-113A-4B4A-8A5C-9EE1E9DBA064}" type="datetimeFigureOut">
               <a:rPr lang="ko-KR" altLang="en-US" smtClean="0"/>
-              <a:t>2021-05-30</a:t>
+              <a:t>2021-05-24</a:t>
             </a:fld>
             <a:endParaRPr lang="ko-KR" altLang="en-US" dirty="0"/>
           </a:p>
@@ -392,7 +392,7 @@
           <a:p>
             <a:fld id="{40EC3B2E-CA71-40FC-A78E-FA212ABD0BB7}" type="datetimeFigureOut">
               <a:rPr lang="ko-KR" altLang="en-US" smtClean="0"/>
-              <a:t>2021-05-30</a:t>
+              <a:t>2021-05-24</a:t>
             </a:fld>
             <a:endParaRPr lang="ko-KR" altLang="en-US" dirty="0"/>
           </a:p>
@@ -790,7 +790,7 @@
           <a:p>
             <a:fld id="{F8CAAD71-D53C-4447-AAA3-BC9075A67E69}" type="datetimeFigureOut">
               <a:rPr lang="ko-KR" altLang="en-US" smtClean="0"/>
-              <a:t>2021-05-30</a:t>
+              <a:t>2021-05-24</a:t>
             </a:fld>
             <a:endParaRPr lang="ko-KR" altLang="en-US" dirty="0"/>
           </a:p>
@@ -960,7 +960,7 @@
           <a:p>
             <a:fld id="{F8CAAD71-D53C-4447-AAA3-BC9075A67E69}" type="datetimeFigureOut">
               <a:rPr lang="ko-KR" altLang="en-US" smtClean="0"/>
-              <a:t>2021-05-30</a:t>
+              <a:t>2021-05-24</a:t>
             </a:fld>
             <a:endParaRPr lang="ko-KR" altLang="en-US" dirty="0"/>
           </a:p>
@@ -1140,7 +1140,7 @@
           <a:p>
             <a:fld id="{F8CAAD71-D53C-4447-AAA3-BC9075A67E69}" type="datetimeFigureOut">
               <a:rPr lang="ko-KR" altLang="en-US" smtClean="0"/>
-              <a:t>2021-05-30</a:t>
+              <a:t>2021-05-24</a:t>
             </a:fld>
             <a:endParaRPr lang="ko-KR" altLang="en-US" dirty="0"/>
           </a:p>
@@ -1310,7 +1310,7 @@
           <a:p>
             <a:fld id="{F8CAAD71-D53C-4447-AAA3-BC9075A67E69}" type="datetimeFigureOut">
               <a:rPr lang="ko-KR" altLang="en-US" smtClean="0"/>
-              <a:t>2021-05-30</a:t>
+              <a:t>2021-05-24</a:t>
             </a:fld>
             <a:endParaRPr lang="ko-KR" altLang="en-US" dirty="0"/>
           </a:p>
@@ -1556,7 +1556,7 @@
           <a:p>
             <a:fld id="{F8CAAD71-D53C-4447-AAA3-BC9075A67E69}" type="datetimeFigureOut">
               <a:rPr lang="ko-KR" altLang="en-US" smtClean="0"/>
-              <a:t>2021-05-30</a:t>
+              <a:t>2021-05-24</a:t>
             </a:fld>
             <a:endParaRPr lang="ko-KR" altLang="en-US" dirty="0"/>
           </a:p>
@@ -1788,7 +1788,7 @@
           <a:p>
             <a:fld id="{F8CAAD71-D53C-4447-AAA3-BC9075A67E69}" type="datetimeFigureOut">
               <a:rPr lang="ko-KR" altLang="en-US" smtClean="0"/>
-              <a:t>2021-05-30</a:t>
+              <a:t>2021-05-24</a:t>
             </a:fld>
             <a:endParaRPr lang="ko-KR" altLang="en-US" dirty="0"/>
           </a:p>
@@ -2155,7 +2155,7 @@
           <a:p>
             <a:fld id="{F8CAAD71-D53C-4447-AAA3-BC9075A67E69}" type="datetimeFigureOut">
               <a:rPr lang="ko-KR" altLang="en-US" smtClean="0"/>
-              <a:t>2021-05-30</a:t>
+              <a:t>2021-05-24</a:t>
             </a:fld>
             <a:endParaRPr lang="ko-KR" altLang="en-US" dirty="0"/>
           </a:p>
@@ -2273,7 +2273,7 @@
           <a:p>
             <a:fld id="{F8CAAD71-D53C-4447-AAA3-BC9075A67E69}" type="datetimeFigureOut">
               <a:rPr lang="ko-KR" altLang="en-US" smtClean="0"/>
-              <a:t>2021-05-30</a:t>
+              <a:t>2021-05-24</a:t>
             </a:fld>
             <a:endParaRPr lang="ko-KR" altLang="en-US" dirty="0"/>
           </a:p>
@@ -2368,7 +2368,7 @@
           <a:p>
             <a:fld id="{F8CAAD71-D53C-4447-AAA3-BC9075A67E69}" type="datetimeFigureOut">
               <a:rPr lang="ko-KR" altLang="en-US" smtClean="0"/>
-              <a:t>2021-05-30</a:t>
+              <a:t>2021-05-24</a:t>
             </a:fld>
             <a:endParaRPr lang="ko-KR" altLang="en-US" dirty="0"/>
           </a:p>
@@ -2645,7 +2645,7 @@
           <a:p>
             <a:fld id="{F8CAAD71-D53C-4447-AAA3-BC9075A67E69}" type="datetimeFigureOut">
               <a:rPr lang="ko-KR" altLang="en-US" smtClean="0"/>
-              <a:t>2021-05-30</a:t>
+              <a:t>2021-05-24</a:t>
             </a:fld>
             <a:endParaRPr lang="ko-KR" altLang="en-US" dirty="0"/>
           </a:p>
@@ -2902,7 +2902,7 @@
           <a:p>
             <a:fld id="{F8CAAD71-D53C-4447-AAA3-BC9075A67E69}" type="datetimeFigureOut">
               <a:rPr lang="ko-KR" altLang="en-US" smtClean="0"/>
-              <a:t>2021-05-30</a:t>
+              <a:t>2021-05-24</a:t>
             </a:fld>
             <a:endParaRPr lang="ko-KR" altLang="en-US" dirty="0"/>
           </a:p>
@@ -3120,7 +3120,7 @@
           <a:p>
             <a:fld id="{F8CAAD71-D53C-4447-AAA3-BC9075A67E69}" type="datetimeFigureOut">
               <a:rPr lang="ko-KR" altLang="en-US" smtClean="0"/>
-              <a:t>2021-05-30</a:t>
+              <a:t>2021-05-24</a:t>
             </a:fld>
             <a:endParaRPr lang="ko-KR" altLang="en-US" dirty="0"/>
           </a:p>
@@ -3584,7 +3584,7 @@
                 <a:latin typeface="휴먼모음T" panose="02030504000101010101" pitchFamily="18" charset="-127"/>
                 <a:ea typeface="휴먼모음T" panose="02030504000101010101" pitchFamily="18" charset="-127"/>
               </a:rPr>
-              <a:t>이벤트</a:t>
+              <a:t>레벨</a:t>
             </a:r>
           </a:p>
         </p:txBody>
@@ -4042,7 +4042,7 @@
         <p:spPr>
           <a:xfrm>
             <a:off x="101601" y="1445888"/>
-            <a:ext cx="11112499" cy="3970318"/>
+            <a:ext cx="13114527" cy="3416320"/>
           </a:xfrm>
           <a:prstGeom prst="rect">
             <a:avLst/>
@@ -4399,7 +4399,7 @@
                 <a:latin typeface="HY그래픽M" panose="02030600000101010101" pitchFamily="18" charset="-127"/>
                 <a:ea typeface="HY그래픽M" panose="02030600000101010101" pitchFamily="18" charset="-127"/>
               </a:rPr>
-              <a:t>이벤트의 진행은 게임이 </a:t>
+              <a:t>이벤트의 진행은 보통 게임이 </a:t>
             </a:r>
             <a:r>
               <a:rPr lang="ko-KR" altLang="en-US" b="1" dirty="0" err="1">
@@ -4423,7 +4423,7 @@
                 <a:latin typeface="HY그래픽M" panose="02030600000101010101" pitchFamily="18" charset="-127"/>
                 <a:ea typeface="HY그래픽M" panose="02030600000101010101" pitchFamily="18" charset="-127"/>
               </a:rPr>
-              <a:t>화면 상에 출력되는 </a:t>
+              <a:t>화면상 우측하단에 출력되는 대화박스</a:t>
             </a:r>
             <a:r>
               <a:rPr lang="en-US" altLang="ko-KR" b="1" dirty="0">
@@ -4443,17 +4443,44 @@
                 <a:latin typeface="HY그래픽M" panose="02030600000101010101" pitchFamily="18" charset="-127"/>
                 <a:ea typeface="HY그래픽M" panose="02030600000101010101" pitchFamily="18" charset="-127"/>
               </a:rPr>
-              <a:t>가 기본 </a:t>
-            </a:r>
-            <a:r>
-              <a:rPr lang="ko-KR" altLang="en-US" b="1" dirty="0" err="1">
-                <a:solidFill>
-                  <a:schemeClr val="accent4"/>
-                </a:solidFill>
+              <a:t>에 출력되는 텍스트를 통해 진행</a:t>
+            </a:r>
+            <a:r>
+              <a:rPr lang="ko-KR" altLang="en-US" b="1" dirty="0">
                 <a:latin typeface="HY그래픽M" panose="02030600000101010101" pitchFamily="18" charset="-127"/>
                 <a:ea typeface="HY그래픽M" panose="02030600000101010101" pitchFamily="18" charset="-127"/>
               </a:rPr>
-              <a:t>인게임</a:t>
+              <a:t>된다</a:t>
+            </a:r>
+            <a:r>
+              <a:rPr lang="en-US" altLang="ko-KR" b="1" dirty="0">
+                <a:latin typeface="HY그래픽M" panose="02030600000101010101" pitchFamily="18" charset="-127"/>
+                <a:ea typeface="HY그래픽M" panose="02030600000101010101" pitchFamily="18" charset="-127"/>
+              </a:rPr>
+              <a:t>.</a:t>
+            </a:r>
+          </a:p>
+          <a:p>
+            <a:pPr marL="285705" indent="-285705">
+              <a:buFontTx/>
+              <a:buChar char="-"/>
+            </a:pPr>
+            <a:endParaRPr lang="en-US" altLang="ko-KR" b="1" dirty="0">
+              <a:latin typeface="HY그래픽M" panose="02030600000101010101" pitchFamily="18" charset="-127"/>
+              <a:ea typeface="HY그래픽M" panose="02030600000101010101" pitchFamily="18" charset="-127"/>
+            </a:endParaRPr>
+          </a:p>
+          <a:p>
+            <a:pPr marL="285705" indent="-285705">
+              <a:buFontTx/>
+              <a:buChar char="-"/>
+            </a:pPr>
+            <a:r>
+              <a:rPr lang="ko-KR" altLang="en-US" b="1" dirty="0">
+                <a:latin typeface="HY그래픽M" panose="02030600000101010101" pitchFamily="18" charset="-127"/>
+                <a:ea typeface="HY그래픽M" panose="02030600000101010101" pitchFamily="18" charset="-127"/>
+              </a:rPr>
+              <a:t>이벤트를 통해 게임내 </a:t>
             </a:r>
             <a:r>
               <a:rPr lang="en-US" altLang="ko-KR" b="1" dirty="0">
@@ -4473,170 +4500,6 @@
                 <a:latin typeface="HY그래픽M" panose="02030600000101010101" pitchFamily="18" charset="-127"/>
                 <a:ea typeface="HY그래픽M" panose="02030600000101010101" pitchFamily="18" charset="-127"/>
               </a:rPr>
-              <a:t>에서 이벤트</a:t>
-            </a:r>
-            <a:r>
-              <a:rPr lang="en-US" altLang="ko-KR" b="1" dirty="0">
-                <a:solidFill>
-                  <a:schemeClr val="accent4"/>
-                </a:solidFill>
-                <a:latin typeface="HY그래픽M" panose="02030600000101010101" pitchFamily="18" charset="-127"/>
-                <a:ea typeface="HY그래픽M" panose="02030600000101010101" pitchFamily="18" charset="-127"/>
-              </a:rPr>
-              <a:t>UI</a:t>
-            </a:r>
-            <a:r>
-              <a:rPr lang="ko-KR" altLang="en-US" b="1" dirty="0">
-                <a:solidFill>
-                  <a:schemeClr val="accent4"/>
-                </a:solidFill>
-                <a:latin typeface="HY그래픽M" panose="02030600000101010101" pitchFamily="18" charset="-127"/>
-                <a:ea typeface="HY그래픽M" panose="02030600000101010101" pitchFamily="18" charset="-127"/>
-              </a:rPr>
-              <a:t>로 변경</a:t>
-            </a:r>
-            <a:r>
-              <a:rPr lang="ko-KR" altLang="en-US" b="1" dirty="0">
-                <a:latin typeface="HY그래픽M" panose="02030600000101010101" pitchFamily="18" charset="-127"/>
-                <a:ea typeface="HY그래픽M" panose="02030600000101010101" pitchFamily="18" charset="-127"/>
-              </a:rPr>
-              <a:t>된다</a:t>
-            </a:r>
-            <a:r>
-              <a:rPr lang="en-US" altLang="ko-KR" b="1" dirty="0">
-                <a:latin typeface="HY그래픽M" panose="02030600000101010101" pitchFamily="18" charset="-127"/>
-                <a:ea typeface="HY그래픽M" panose="02030600000101010101" pitchFamily="18" charset="-127"/>
-              </a:rPr>
-              <a:t>.</a:t>
-            </a:r>
-          </a:p>
-          <a:p>
-            <a:pPr marL="285705" indent="-285705">
-              <a:buFontTx/>
-              <a:buChar char="-"/>
-            </a:pPr>
-            <a:endParaRPr lang="en-US" altLang="ko-KR" b="1" dirty="0">
-              <a:latin typeface="HY그래픽M" panose="02030600000101010101" pitchFamily="18" charset="-127"/>
-              <a:ea typeface="HY그래픽M" panose="02030600000101010101" pitchFamily="18" charset="-127"/>
-            </a:endParaRPr>
-          </a:p>
-          <a:p>
-            <a:pPr marL="285705" indent="-285705">
-              <a:buFontTx/>
-              <a:buChar char="-"/>
-            </a:pPr>
-            <a:r>
-              <a:rPr lang="ko-KR" altLang="en-US" b="1" dirty="0">
-                <a:latin typeface="HY그래픽M" panose="02030600000101010101" pitchFamily="18" charset="-127"/>
-                <a:ea typeface="HY그래픽M" panose="02030600000101010101" pitchFamily="18" charset="-127"/>
-              </a:rPr>
-              <a:t>이벤트 종료 시 </a:t>
-            </a:r>
-            <a:r>
-              <a:rPr lang="ko-KR" altLang="en-US" b="1" dirty="0">
-                <a:solidFill>
-                  <a:schemeClr val="accent4"/>
-                </a:solidFill>
-                <a:latin typeface="HY그래픽M" panose="02030600000101010101" pitchFamily="18" charset="-127"/>
-                <a:ea typeface="HY그래픽M" panose="02030600000101010101" pitchFamily="18" charset="-127"/>
-              </a:rPr>
-              <a:t>이벤트</a:t>
-            </a:r>
-            <a:r>
-              <a:rPr lang="en-US" altLang="ko-KR" b="1" dirty="0">
-                <a:solidFill>
-                  <a:schemeClr val="accent4"/>
-                </a:solidFill>
-                <a:latin typeface="HY그래픽M" panose="02030600000101010101" pitchFamily="18" charset="-127"/>
-                <a:ea typeface="HY그래픽M" panose="02030600000101010101" pitchFamily="18" charset="-127"/>
-              </a:rPr>
-              <a:t>UI</a:t>
-            </a:r>
-            <a:r>
-              <a:rPr lang="ko-KR" altLang="en-US" b="1" dirty="0">
-                <a:solidFill>
-                  <a:schemeClr val="accent4"/>
-                </a:solidFill>
-                <a:latin typeface="HY그래픽M" panose="02030600000101010101" pitchFamily="18" charset="-127"/>
-                <a:ea typeface="HY그래픽M" panose="02030600000101010101" pitchFamily="18" charset="-127"/>
-              </a:rPr>
-              <a:t>에서 기본 </a:t>
-            </a:r>
-            <a:r>
-              <a:rPr lang="ko-KR" altLang="en-US" b="1" dirty="0" err="1">
-                <a:solidFill>
-                  <a:schemeClr val="accent4"/>
-                </a:solidFill>
-                <a:latin typeface="HY그래픽M" panose="02030600000101010101" pitchFamily="18" charset="-127"/>
-                <a:ea typeface="HY그래픽M" panose="02030600000101010101" pitchFamily="18" charset="-127"/>
-              </a:rPr>
-              <a:t>인게임</a:t>
-            </a:r>
-            <a:r>
-              <a:rPr lang="en-US" altLang="ko-KR" b="1" dirty="0">
-                <a:solidFill>
-                  <a:schemeClr val="accent4"/>
-                </a:solidFill>
-                <a:latin typeface="HY그래픽M" panose="02030600000101010101" pitchFamily="18" charset="-127"/>
-                <a:ea typeface="HY그래픽M" panose="02030600000101010101" pitchFamily="18" charset="-127"/>
-              </a:rPr>
-              <a:t>UI</a:t>
-            </a:r>
-            <a:r>
-              <a:rPr lang="ko-KR" altLang="en-US" b="1" dirty="0">
-                <a:latin typeface="HY그래픽M" panose="02030600000101010101" pitchFamily="18" charset="-127"/>
-                <a:ea typeface="HY그래픽M" panose="02030600000101010101" pitchFamily="18" charset="-127"/>
-              </a:rPr>
-              <a:t>로 변경된다</a:t>
-            </a:r>
-            <a:r>
-              <a:rPr lang="en-US" altLang="ko-KR" b="1" dirty="0">
-                <a:latin typeface="HY그래픽M" panose="02030600000101010101" pitchFamily="18" charset="-127"/>
-                <a:ea typeface="HY그래픽M" panose="02030600000101010101" pitchFamily="18" charset="-127"/>
-              </a:rPr>
-              <a:t>.</a:t>
-            </a:r>
-          </a:p>
-          <a:p>
-            <a:pPr marL="285705" indent="-285705">
-              <a:buFontTx/>
-              <a:buChar char="-"/>
-            </a:pPr>
-            <a:endParaRPr lang="en-US" altLang="ko-KR" b="1" dirty="0">
-              <a:latin typeface="HY그래픽M" panose="02030600000101010101" pitchFamily="18" charset="-127"/>
-              <a:ea typeface="HY그래픽M" panose="02030600000101010101" pitchFamily="18" charset="-127"/>
-            </a:endParaRPr>
-          </a:p>
-          <a:p>
-            <a:pPr marL="285705" indent="-285705">
-              <a:buFontTx/>
-              <a:buChar char="-"/>
-            </a:pPr>
-            <a:r>
-              <a:rPr lang="ko-KR" altLang="en-US" b="1" dirty="0">
-                <a:latin typeface="HY그래픽M" panose="02030600000101010101" pitchFamily="18" charset="-127"/>
-                <a:ea typeface="HY그래픽M" panose="02030600000101010101" pitchFamily="18" charset="-127"/>
-              </a:rPr>
-              <a:t>이벤트를 통해 게임내 </a:t>
-            </a:r>
-            <a:r>
-              <a:rPr lang="en-US" altLang="ko-KR" b="1" dirty="0">
-                <a:solidFill>
-                  <a:schemeClr val="accent4"/>
-                </a:solidFill>
-                <a:latin typeface="HY그래픽M" panose="02030600000101010101" pitchFamily="18" charset="-127"/>
-                <a:ea typeface="HY그래픽M" panose="02030600000101010101" pitchFamily="18" charset="-127"/>
-              </a:rPr>
-              <a:t>UI</a:t>
-            </a:r>
-            <a:r>
-              <a:rPr lang="ko-KR" altLang="en-US" b="1" dirty="0">
-                <a:solidFill>
-                  <a:schemeClr val="accent4"/>
-                </a:solidFill>
-                <a:latin typeface="HY그래픽M" panose="02030600000101010101" pitchFamily="18" charset="-127"/>
-                <a:ea typeface="HY그래픽M" panose="02030600000101010101" pitchFamily="18" charset="-127"/>
-              </a:rPr>
               <a:t>의 출력이나 기타 </a:t>
             </a:r>
             <a:r>
@@ -4672,315 +4535,6 @@
                 <a:ea typeface="HY그래픽M" panose="02030600000101010101" pitchFamily="18" charset="-127"/>
               </a:rPr>
               <a:t>.</a:t>
-            </a:r>
-          </a:p>
-        </p:txBody>
-      </p:sp>
-      <p:pic>
-        <p:nvPicPr>
-          <p:cNvPr id="4" name="그림 3">
-            <a:extLst>
-              <a:ext uri="{FF2B5EF4-FFF2-40B4-BE49-F238E27FC236}">
-                <a16:creationId xmlns:a16="http://schemas.microsoft.com/office/drawing/2014/main" id="{B04CCED9-B1A6-426D-959C-03956E8962D3}"/>
-              </a:ext>
-            </a:extLst>
-          </p:cNvPr>
-          <p:cNvPicPr>
-            <a:picLocks noChangeAspect="1"/>
-          </p:cNvPicPr>
-          <p:nvPr/>
-        </p:nvPicPr>
-        <p:blipFill>
-          <a:blip r:embed="rId2"/>
-          <a:stretch>
-            <a:fillRect/>
-          </a:stretch>
-        </p:blipFill>
-        <p:spPr>
-          <a:xfrm>
-            <a:off x="11302595" y="1445888"/>
-            <a:ext cx="6205942" cy="3507112"/>
-          </a:xfrm>
-          <a:prstGeom prst="rect">
-            <a:avLst/>
-          </a:prstGeom>
-        </p:spPr>
-      </p:pic>
-      <p:sp>
-        <p:nvSpPr>
-          <p:cNvPr id="11" name="TextBox 10">
-            <a:extLst>
-              <a:ext uri="{FF2B5EF4-FFF2-40B4-BE49-F238E27FC236}">
-                <a16:creationId xmlns:a16="http://schemas.microsoft.com/office/drawing/2014/main" id="{D4DF7F8D-BA34-46DA-81BE-5D53255D47BD}"/>
-              </a:ext>
-            </a:extLst>
-          </p:cNvPr>
-          <p:cNvSpPr txBox="1"/>
-          <p:nvPr/>
-        </p:nvSpPr>
-        <p:spPr>
-          <a:xfrm>
-            <a:off x="11302595" y="5046874"/>
-            <a:ext cx="6205942" cy="369332"/>
-          </a:xfrm>
-          <a:prstGeom prst="rect">
-            <a:avLst/>
-          </a:prstGeom>
-          <a:solidFill>
-            <a:schemeClr val="bg1">
-              <a:alpha val="20000"/>
-            </a:schemeClr>
-          </a:solidFill>
-        </p:spPr>
-        <p:txBody>
-          <a:bodyPr wrap="square" rtlCol="0">
-            <a:spAutoFit/>
-          </a:bodyPr>
-          <a:lstStyle/>
-          <a:p>
-            <a:r>
-              <a:rPr lang="ko-KR" altLang="en-US" b="1">
-                <a:latin typeface="HY그래픽M" panose="02030600000101010101" pitchFamily="18" charset="-127"/>
-                <a:ea typeface="HY그래픽M" panose="02030600000101010101" pitchFamily="18" charset="-127"/>
-              </a:rPr>
-              <a:t>이벤트</a:t>
-            </a:r>
-            <a:r>
-              <a:rPr lang="en-US" altLang="ko-KR" b="1" dirty="0">
-                <a:latin typeface="HY그래픽M" panose="02030600000101010101" pitchFamily="18" charset="-127"/>
-                <a:ea typeface="HY그래픽M" panose="02030600000101010101" pitchFamily="18" charset="-127"/>
-              </a:rPr>
-              <a:t>UI </a:t>
-            </a:r>
-            <a:r>
-              <a:rPr lang="ko-KR" altLang="en-US" b="1" dirty="0" err="1">
-                <a:latin typeface="HY그래픽M" panose="02030600000101010101" pitchFamily="18" charset="-127"/>
-                <a:ea typeface="HY그래픽M" panose="02030600000101010101" pitchFamily="18" charset="-127"/>
-              </a:rPr>
-              <a:t>구성예시</a:t>
-            </a:r>
-            <a:endParaRPr lang="en-US" altLang="ko-KR" b="1" dirty="0">
-              <a:latin typeface="HY그래픽M" panose="02030600000101010101" pitchFamily="18" charset="-127"/>
-              <a:ea typeface="HY그래픽M" panose="02030600000101010101" pitchFamily="18" charset="-127"/>
-            </a:endParaRPr>
-          </a:p>
-        </p:txBody>
-      </p:sp>
-      <p:sp>
-        <p:nvSpPr>
-          <p:cNvPr id="14" name="TextBox 13">
-            <a:extLst>
-              <a:ext uri="{FF2B5EF4-FFF2-40B4-BE49-F238E27FC236}">
-                <a16:creationId xmlns:a16="http://schemas.microsoft.com/office/drawing/2014/main" id="{D21AE088-CD68-40A5-87C0-2AA733AF50B5}"/>
-              </a:ext>
-            </a:extLst>
-          </p:cNvPr>
-          <p:cNvSpPr txBox="1"/>
-          <p:nvPr/>
-        </p:nvSpPr>
-        <p:spPr>
-          <a:xfrm>
-            <a:off x="101601" y="9448969"/>
-            <a:ext cx="17406936" cy="369332"/>
-          </a:xfrm>
-          <a:prstGeom prst="rect">
-            <a:avLst/>
-          </a:prstGeom>
-          <a:solidFill>
-            <a:schemeClr val="bg1">
-              <a:alpha val="20000"/>
-            </a:schemeClr>
-          </a:solidFill>
-        </p:spPr>
-        <p:txBody>
-          <a:bodyPr wrap="square" rtlCol="0">
-            <a:spAutoFit/>
-          </a:bodyPr>
-          <a:lstStyle/>
-          <a:p>
-            <a:pPr algn="ctr"/>
-            <a:r>
-              <a:rPr lang="ko-KR" altLang="en-US" b="1" dirty="0">
-                <a:latin typeface="HY그래픽M" panose="02030600000101010101" pitchFamily="18" charset="-127"/>
-                <a:ea typeface="HY그래픽M" panose="02030600000101010101" pitchFamily="18" charset="-127"/>
-              </a:rPr>
-              <a:t>이벤트의 이야기 </a:t>
-            </a:r>
-            <a:r>
-              <a:rPr lang="ko-KR" altLang="en-US" b="1" dirty="0">
-                <a:solidFill>
-                  <a:schemeClr val="accent4"/>
-                </a:solidFill>
-                <a:latin typeface="HY그래픽M" panose="02030600000101010101" pitchFamily="18" charset="-127"/>
-                <a:ea typeface="HY그래픽M" panose="02030600000101010101" pitchFamily="18" charset="-127"/>
-              </a:rPr>
-              <a:t>진행은 대화박스를 통해 진행되며 </a:t>
-            </a:r>
-            <a:r>
-              <a:rPr lang="en-US" altLang="ko-KR" b="1" dirty="0">
-                <a:solidFill>
-                  <a:schemeClr val="accent4"/>
-                </a:solidFill>
-                <a:latin typeface="HY그래픽M" panose="02030600000101010101" pitchFamily="18" charset="-127"/>
-                <a:ea typeface="HY그래픽M" panose="02030600000101010101" pitchFamily="18" charset="-127"/>
-              </a:rPr>
-              <a:t>Space Bar </a:t>
-            </a:r>
-            <a:r>
-              <a:rPr lang="ko-KR" altLang="en-US" b="1" dirty="0">
-                <a:solidFill>
-                  <a:schemeClr val="accent4"/>
-                </a:solidFill>
-                <a:latin typeface="HY그래픽M" panose="02030600000101010101" pitchFamily="18" charset="-127"/>
-                <a:ea typeface="HY그래픽M" panose="02030600000101010101" pitchFamily="18" charset="-127"/>
-              </a:rPr>
-              <a:t>키를 눌러 진행</a:t>
-            </a:r>
-            <a:r>
-              <a:rPr lang="ko-KR" altLang="en-US" b="1" dirty="0">
-                <a:latin typeface="HY그래픽M" panose="02030600000101010101" pitchFamily="18" charset="-127"/>
-                <a:ea typeface="HY그래픽M" panose="02030600000101010101" pitchFamily="18" charset="-127"/>
-              </a:rPr>
-              <a:t>할 수 있다</a:t>
-            </a:r>
-            <a:r>
-              <a:rPr lang="en-US" altLang="ko-KR" b="1" dirty="0">
-                <a:latin typeface="HY그래픽M" panose="02030600000101010101" pitchFamily="18" charset="-127"/>
-                <a:ea typeface="HY그래픽M" panose="02030600000101010101" pitchFamily="18" charset="-127"/>
-              </a:rPr>
-              <a:t>.</a:t>
-            </a:r>
-          </a:p>
-        </p:txBody>
-      </p:sp>
-    </p:spTree>
-    <p:extLst>
-      <p:ext uri="{BB962C8B-B14F-4D97-AF65-F5344CB8AC3E}">
-        <p14:creationId xmlns:p14="http://schemas.microsoft.com/office/powerpoint/2010/main" val="3961827498"/>
-      </p:ext>
-    </p:extLst>
-  </p:cSld>
-  <p:clrMapOvr>
-    <a:masterClrMapping/>
-  </p:clrMapOvr>
-</p:sld>
-</file>
-
-<file path=ppt/slides/slide4.xml><?xml version="1.0" encoding="utf-8"?>
-<p:sld xmlns:a="http://schemas.openxmlformats.org/drawingml/2006/main" xmlns:r="http://schemas.openxmlformats.org/officeDocument/2006/relationships" xmlns:p="http://schemas.openxmlformats.org/presentationml/2006/main">
-  <p:cSld>
-    <p:spTree>
-      <p:nvGrpSpPr>
-        <p:cNvPr id="1" name=""/>
-        <p:cNvGrpSpPr/>
-        <p:nvPr/>
-      </p:nvGrpSpPr>
-      <p:grpSpPr>
-        <a:xfrm>
-          <a:off x="0" y="0"/>
-          <a:ext cx="0" cy="0"/>
-          <a:chOff x="0" y="0"/>
-          <a:chExt cx="0" cy="0"/>
-        </a:xfrm>
-      </p:grpSpPr>
-      <p:sp>
-        <p:nvSpPr>
-          <p:cNvPr id="8" name="사각형: 둥근 모서리 7">
-            <a:extLst>
-              <a:ext uri="{FF2B5EF4-FFF2-40B4-BE49-F238E27FC236}">
-                <a16:creationId xmlns:a16="http://schemas.microsoft.com/office/drawing/2014/main" id="{6621E09A-072E-4221-9694-044F1CE109E0}"/>
-              </a:ext>
-            </a:extLst>
-          </p:cNvPr>
-          <p:cNvSpPr/>
-          <p:nvPr/>
-        </p:nvSpPr>
-        <p:spPr>
-          <a:xfrm>
-            <a:off x="101601" y="993855"/>
-            <a:ext cx="17406942" cy="318170"/>
-          </a:xfrm>
-          <a:prstGeom prst="roundRect">
-            <a:avLst/>
-          </a:prstGeom>
-          <a:solidFill>
-            <a:schemeClr val="tx1"/>
-          </a:solidFill>
-          <a:ln>
-            <a:noFill/>
-          </a:ln>
-        </p:spPr>
-        <p:style>
-          <a:lnRef idx="2">
-            <a:schemeClr val="accent1">
-              <a:shade val="50000"/>
-            </a:schemeClr>
-          </a:lnRef>
-          <a:fillRef idx="1">
-            <a:schemeClr val="accent1"/>
-          </a:fillRef>
-          <a:effectRef idx="0">
-            <a:schemeClr val="accent1"/>
-          </a:effectRef>
-          <a:fontRef idx="minor">
-            <a:schemeClr val="lt1"/>
-          </a:fontRef>
-        </p:style>
-        <p:txBody>
-          <a:bodyPr rtlCol="0" anchor="ctr"/>
-          <a:lstStyle/>
-          <a:p>
-            <a:pPr algn="ctr"/>
-            <a:r>
-              <a:rPr lang="ko-KR" altLang="en-US" b="1" dirty="0">
-                <a:latin typeface="메이플스토리" panose="02000300000000000000" pitchFamily="2" charset="-127"/>
-                <a:ea typeface="메이플스토리" panose="02000300000000000000" pitchFamily="2" charset="-127"/>
-              </a:rPr>
-              <a:t>이벤트 구성요소</a:t>
-            </a:r>
-          </a:p>
-        </p:txBody>
-      </p:sp>
-      <p:sp>
-        <p:nvSpPr>
-          <p:cNvPr id="9" name="직사각형 8">
-            <a:extLst>
-              <a:ext uri="{FF2B5EF4-FFF2-40B4-BE49-F238E27FC236}">
-                <a16:creationId xmlns:a16="http://schemas.microsoft.com/office/drawing/2014/main" id="{94F2371C-0352-412D-8908-A2E16DD190D5}"/>
-              </a:ext>
-            </a:extLst>
-          </p:cNvPr>
-          <p:cNvSpPr/>
-          <p:nvPr/>
-        </p:nvSpPr>
-        <p:spPr>
-          <a:xfrm>
-            <a:off x="8132804" y="33681"/>
-            <a:ext cx="1344535" cy="923330"/>
-          </a:xfrm>
-          <a:prstGeom prst="rect">
-            <a:avLst/>
-          </a:prstGeom>
-          <a:noFill/>
-        </p:spPr>
-        <p:txBody>
-          <a:bodyPr wrap="none" lIns="91440" tIns="45720" rIns="91440" bIns="45720">
-            <a:spAutoFit/>
-          </a:bodyPr>
-          <a:lstStyle/>
-          <a:p>
-            <a:pPr algn="ctr"/>
-            <a:r>
-              <a:rPr lang="en-US" altLang="ko-KR" sz="5400" b="1" dirty="0">
-                <a:ln w="0">
-                  <a:solidFill>
-                    <a:schemeClr val="bg1"/>
-                  </a:solidFill>
-                </a:ln>
-                <a:latin typeface="+mj-ea"/>
-                <a:ea typeface="+mj-ea"/>
-              </a:rPr>
-              <a:t>WA</a:t>
             </a:r>
           </a:p>
         </p:txBody>
@@ -4997,10 +4551,16 @@
           <p:cNvGraphicFramePr>
             <a:graphicFrameLocks noGrp="1"/>
           </p:cNvGraphicFramePr>
-          <p:nvPr/>
+          <p:nvPr>
+            <p:extLst>
+              <p:ext uri="{D42A27DB-BD31-4B8C-83A1-F6EECF244321}">
+                <p14:modId xmlns:p14="http://schemas.microsoft.com/office/powerpoint/2010/main" val="3110274080"/>
+              </p:ext>
+            </p:extLst>
+          </p:nvPr>
         </p:nvGraphicFramePr>
         <p:xfrm>
-          <a:off x="1178720" y="9144000"/>
+          <a:off x="1178720" y="7797800"/>
           <a:ext cx="15252699" cy="396240"/>
         </p:xfrm>
         <a:graphic>
@@ -5247,7 +4807,7 @@
         </p:nvSpPr>
         <p:spPr>
           <a:xfrm>
-            <a:off x="2247806" y="8523358"/>
+            <a:off x="2247806" y="7177158"/>
             <a:ext cx="13114527" cy="369332"/>
           </a:xfrm>
           <a:prstGeom prst="rect">
@@ -5296,12 +4856,155 @@
           </a:p>
         </p:txBody>
       </p:sp>
+    </p:spTree>
+    <p:extLst>
+      <p:ext uri="{BB962C8B-B14F-4D97-AF65-F5344CB8AC3E}">
+        <p14:creationId xmlns:p14="http://schemas.microsoft.com/office/powerpoint/2010/main" val="3961827498"/>
+      </p:ext>
+    </p:extLst>
+  </p:cSld>
+  <p:clrMapOvr>
+    <a:masterClrMapping/>
+  </p:clrMapOvr>
+</p:sld>
+</file>
+
+<file path=ppt/slides/slide4.xml><?xml version="1.0" encoding="utf-8"?>
+<p:sld xmlns:a="http://schemas.openxmlformats.org/drawingml/2006/main" xmlns:r="http://schemas.openxmlformats.org/officeDocument/2006/relationships" xmlns:p="http://schemas.openxmlformats.org/presentationml/2006/main">
+  <p:cSld>
+    <p:spTree>
+      <p:nvGrpSpPr>
+        <p:cNvPr id="1" name=""/>
+        <p:cNvGrpSpPr/>
+        <p:nvPr/>
+      </p:nvGrpSpPr>
+      <p:grpSpPr>
+        <a:xfrm>
+          <a:off x="0" y="0"/>
+          <a:ext cx="0" cy="0"/>
+          <a:chOff x="0" y="0"/>
+          <a:chExt cx="0" cy="0"/>
+        </a:xfrm>
+      </p:grpSpPr>
+      <p:sp>
+        <p:nvSpPr>
+          <p:cNvPr id="14" name="직사각형 13">
+            <a:extLst>
+              <a:ext uri="{FF2B5EF4-FFF2-40B4-BE49-F238E27FC236}">
+                <a16:creationId xmlns:a16="http://schemas.microsoft.com/office/drawing/2014/main" id="{212B7ECA-7CD7-467F-9EC4-27938A087C78}"/>
+              </a:ext>
+            </a:extLst>
+          </p:cNvPr>
+          <p:cNvSpPr/>
+          <p:nvPr/>
+        </p:nvSpPr>
+        <p:spPr>
+          <a:xfrm>
+            <a:off x="8132804" y="33681"/>
+            <a:ext cx="1344535" cy="923330"/>
+          </a:xfrm>
+          <a:prstGeom prst="rect">
+            <a:avLst/>
+          </a:prstGeom>
+          <a:noFill/>
+        </p:spPr>
+        <p:txBody>
+          <a:bodyPr wrap="none" lIns="91440" tIns="45720" rIns="91440" bIns="45720">
+            <a:spAutoFit/>
+          </a:bodyPr>
+          <a:lstStyle/>
+          <a:p>
+            <a:pPr algn="ctr"/>
+            <a:r>
+              <a:rPr lang="en-US" altLang="ko-KR" sz="5400" b="1" dirty="0">
+                <a:ln w="0">
+                  <a:solidFill>
+                    <a:schemeClr val="bg1"/>
+                  </a:solidFill>
+                </a:ln>
+                <a:latin typeface="+mj-ea"/>
+                <a:ea typeface="+mj-ea"/>
+              </a:rPr>
+              <a:t>WA</a:t>
+            </a:r>
+          </a:p>
+        </p:txBody>
+      </p:sp>
+      <p:sp>
+        <p:nvSpPr>
+          <p:cNvPr id="15" name="사각형: 둥근 모서리 14">
+            <a:extLst>
+              <a:ext uri="{FF2B5EF4-FFF2-40B4-BE49-F238E27FC236}">
+                <a16:creationId xmlns:a16="http://schemas.microsoft.com/office/drawing/2014/main" id="{B4929C92-915C-400A-8F9A-5E60E967B602}"/>
+              </a:ext>
+            </a:extLst>
+          </p:cNvPr>
+          <p:cNvSpPr/>
+          <p:nvPr/>
+        </p:nvSpPr>
+        <p:spPr>
+          <a:xfrm>
+            <a:off x="101601" y="993855"/>
+            <a:ext cx="17406942" cy="318170"/>
+          </a:xfrm>
+          <a:prstGeom prst="roundRect">
+            <a:avLst/>
+          </a:prstGeom>
+          <a:solidFill>
+            <a:schemeClr val="tx1"/>
+          </a:solidFill>
+          <a:ln>
+            <a:noFill/>
+          </a:ln>
+        </p:spPr>
+        <p:style>
+          <a:lnRef idx="2">
+            <a:schemeClr val="accent1">
+              <a:shade val="50000"/>
+            </a:schemeClr>
+          </a:lnRef>
+          <a:fillRef idx="1">
+            <a:schemeClr val="accent1"/>
+          </a:fillRef>
+          <a:effectRef idx="0">
+            <a:schemeClr val="accent1"/>
+          </a:effectRef>
+          <a:fontRef idx="minor">
+            <a:schemeClr val="lt1"/>
+          </a:fontRef>
+        </p:style>
+        <p:txBody>
+          <a:bodyPr rtlCol="0" anchor="ctr"/>
+          <a:lstStyle/>
+          <a:p>
+            <a:pPr algn="ctr"/>
+            <a:r>
+              <a:rPr lang="ko-KR" altLang="en-US" b="1" dirty="0">
+                <a:latin typeface="메이플스토리" panose="02000300000000000000" pitchFamily="2" charset="-127"/>
+                <a:ea typeface="메이플스토리" panose="02000300000000000000" pitchFamily="2" charset="-127"/>
+              </a:rPr>
+              <a:t>이벤트</a:t>
+            </a:r>
+            <a:r>
+              <a:rPr lang="en-US" altLang="ko-KR" b="1" dirty="0">
+                <a:latin typeface="메이플스토리" panose="02000300000000000000" pitchFamily="2" charset="-127"/>
+                <a:ea typeface="메이플스토리" panose="02000300000000000000" pitchFamily="2" charset="-127"/>
+              </a:rPr>
+              <a:t>1</a:t>
+            </a:r>
+            <a:endParaRPr lang="ko-KR" altLang="en-US" b="1" dirty="0">
+              <a:latin typeface="메이플스토리" panose="02000300000000000000" pitchFamily="2" charset="-127"/>
+              <a:ea typeface="메이플스토리" panose="02000300000000000000" pitchFamily="2" charset="-127"/>
+            </a:endParaRPr>
+          </a:p>
+        </p:txBody>
+      </p:sp>
       <p:graphicFrame>
         <p:nvGraphicFramePr>
-          <p:cNvPr id="3" name="표 4">
+          <p:cNvPr id="6" name="표 3">
             <a:extLst>
               <a:ext uri="{FF2B5EF4-FFF2-40B4-BE49-F238E27FC236}">
-                <a16:creationId xmlns:a16="http://schemas.microsoft.com/office/drawing/2014/main" id="{68986701-1160-4557-A75B-F9DE3489C1E4}"/>
+                <a16:creationId xmlns:a16="http://schemas.microsoft.com/office/drawing/2014/main" id="{3529A55C-5CC8-40AD-8150-E77E2421F87B}"/>
               </a:ext>
             </a:extLst>
           </p:cNvPr>
@@ -5311,14 +5014,14 @@
           <p:nvPr>
             <p:extLst>
               <p:ext uri="{D42A27DB-BD31-4B8C-83A1-F6EECF244321}">
-                <p14:modId xmlns:p14="http://schemas.microsoft.com/office/powerpoint/2010/main" val="1124733399"/>
+                <p14:modId xmlns:p14="http://schemas.microsoft.com/office/powerpoint/2010/main" val="1513831455"/>
               </p:ext>
             </p:extLst>
           </p:nvPr>
         </p:nvGraphicFramePr>
         <p:xfrm>
-          <a:off x="986521" y="1563335"/>
-          <a:ext cx="15637096" cy="2926080"/>
+          <a:off x="1178719" y="1484136"/>
+          <a:ext cx="15252699" cy="396240"/>
         </p:xfrm>
         <a:graphic>
           <a:graphicData uri="http://schemas.openxmlformats.org/drawingml/2006/table">
@@ -5327,24 +5030,24 @@
                 <a:tableStyleId>{5C22544A-7EE6-4342-B048-85BDC9FD1C3A}</a:tableStyleId>
               </a:tblPr>
               <a:tblGrid>
-                <a:gridCol w="3454701">
+                <a:gridCol w="2199481">
                   <a:extLst>
                     <a:ext uri="{9D8B030D-6E8A-4147-A177-3AD203B41FA5}">
-                      <a16:colId xmlns:a16="http://schemas.microsoft.com/office/drawing/2014/main" val="2365269558"/>
+                      <a16:colId xmlns:a16="http://schemas.microsoft.com/office/drawing/2014/main" val="994053552"/>
                     </a:ext>
                   </a:extLst>
                 </a:gridCol>
-                <a:gridCol w="6133893">
+                <a:gridCol w="3505200">
                   <a:extLst>
                     <a:ext uri="{9D8B030D-6E8A-4147-A177-3AD203B41FA5}">
-                      <a16:colId xmlns:a16="http://schemas.microsoft.com/office/drawing/2014/main" val="455883909"/>
+                      <a16:colId xmlns:a16="http://schemas.microsoft.com/office/drawing/2014/main" val="1236505921"/>
                     </a:ext>
                   </a:extLst>
                 </a:gridCol>
-                <a:gridCol w="6048502">
+                <a:gridCol w="9548018">
                   <a:extLst>
                     <a:ext uri="{9D8B030D-6E8A-4147-A177-3AD203B41FA5}">
-                      <a16:colId xmlns:a16="http://schemas.microsoft.com/office/drawing/2014/main" val="2487665028"/>
+                      <a16:colId xmlns:a16="http://schemas.microsoft.com/office/drawing/2014/main" val="1795726565"/>
                     </a:ext>
                   </a:extLst>
                 </a:gridCol>
@@ -5357,23 +5060,29 @@
                     <a:p>
                       <a:pPr algn="ctr" latinLnBrk="1"/>
                       <a:r>
-                        <a:rPr lang="ko-KR" altLang="en-US" dirty="0">
-                          <a:ln>
-                            <a:solidFill>
-                              <a:sysClr val="windowText" lastClr="000000"/>
-                            </a:solidFill>
-                          </a:ln>
+                        <a:rPr lang="ko-KR" altLang="en-US" sz="2000" dirty="0">
                           <a:solidFill>
-                            <a:schemeClr val="accent1">
-                              <a:lumMod val="75000"/>
-                            </a:schemeClr>
+                            <a:sysClr val="windowText" lastClr="000000"/>
                           </a:solidFill>
                         </a:rPr>
-                        <a:t>구성요소</a:t>
+                        <a:t>이벤트</a:t>
                       </a:r>
+                      <a:r>
+                        <a:rPr lang="en-US" altLang="ko-KR" sz="2000" dirty="0">
+                          <a:solidFill>
+                            <a:sysClr val="windowText" lastClr="000000"/>
+                          </a:solidFill>
+                        </a:rPr>
+                        <a:t>1</a:t>
+                      </a:r>
+                      <a:endParaRPr lang="ko-KR" altLang="en-US" sz="2000" dirty="0">
+                        <a:solidFill>
+                          <a:sysClr val="windowText" lastClr="000000"/>
+                        </a:solidFill>
+                      </a:endParaRPr>
                     </a:p>
                   </a:txBody>
-                  <a:tcPr anchor="ctr">
+                  <a:tcPr>
                     <a:lnL w="12700" cap="flat" cmpd="sng" algn="ctr">
                       <a:solidFill>
                         <a:schemeClr val="tx1"/>
@@ -5410,19 +5119,8 @@
                       <a:headEnd type="none" w="med" len="med"/>
                       <a:tailEnd type="none" w="med" len="med"/>
                     </a:lnB>
-                    <a:lnTlToBr w="12700" cmpd="sng">
-                      <a:noFill/>
-                      <a:prstDash val="solid"/>
-                    </a:lnTlToBr>
-                    <a:lnBlToTr w="12700" cmpd="sng">
-                      <a:noFill/>
-                      <a:prstDash val="solid"/>
-                    </a:lnBlToTr>
                     <a:solidFill>
-                      <a:schemeClr val="accent1">
-                        <a:lumMod val="60000"/>
-                        <a:lumOff val="40000"/>
-                      </a:schemeClr>
+                      <a:schemeClr val="bg1"/>
                     </a:solidFill>
                   </a:tcPr>
                 </a:tc>
@@ -5433,23 +5131,37 @@
                     <a:p>
                       <a:pPr algn="ctr" latinLnBrk="1"/>
                       <a:r>
-                        <a:rPr lang="ko-KR" altLang="en-US" dirty="0">
-                          <a:ln>
-                            <a:solidFill>
-                              <a:sysClr val="windowText" lastClr="000000"/>
-                            </a:solidFill>
-                          </a:ln>
+                        <a:rPr lang="en-US" altLang="ko-KR" sz="2000" dirty="0">
                           <a:solidFill>
-                            <a:schemeClr val="accent1">
-                              <a:lumMod val="75000"/>
-                            </a:schemeClr>
+                            <a:sysClr val="windowText" lastClr="000000"/>
                           </a:solidFill>
                         </a:rPr>
-                        <a:t>설명</a:t>
+                        <a:t>1</a:t>
                       </a:r>
+                      <a:r>
+                        <a:rPr lang="ko-KR" altLang="en-US" sz="2000" dirty="0">
+                          <a:solidFill>
+                            <a:sysClr val="windowText" lastClr="000000"/>
+                          </a:solidFill>
+                        </a:rPr>
+                        <a:t> </a:t>
+                      </a:r>
+                      <a:r>
+                        <a:rPr lang="en-US" altLang="ko-KR" sz="2000" dirty="0">
+                          <a:solidFill>
+                            <a:sysClr val="windowText" lastClr="000000"/>
+                          </a:solidFill>
+                        </a:rPr>
+                        <a:t>– 1</a:t>
+                      </a:r>
+                      <a:endParaRPr lang="ko-KR" altLang="en-US" sz="2000" dirty="0">
+                        <a:solidFill>
+                          <a:sysClr val="windowText" lastClr="000000"/>
+                        </a:solidFill>
+                      </a:endParaRPr>
                     </a:p>
                   </a:txBody>
-                  <a:tcPr anchor="ctr">
+                  <a:tcPr>
                     <a:lnL w="12700" cap="flat" cmpd="sng" algn="ctr">
                       <a:solidFill>
                         <a:schemeClr val="tx1"/>
@@ -5486,19 +5198,8 @@
                       <a:headEnd type="none" w="med" len="med"/>
                       <a:tailEnd type="none" w="med" len="med"/>
                     </a:lnB>
-                    <a:lnTlToBr w="12700" cmpd="sng">
-                      <a:noFill/>
-                      <a:prstDash val="solid"/>
-                    </a:lnTlToBr>
-                    <a:lnBlToTr w="12700" cmpd="sng">
-                      <a:noFill/>
-                      <a:prstDash val="solid"/>
-                    </a:lnBlToTr>
                     <a:solidFill>
-                      <a:schemeClr val="accent1">
-                        <a:lumMod val="60000"/>
-                        <a:lumOff val="40000"/>
-                      </a:schemeClr>
+                      <a:schemeClr val="bg1"/>
                     </a:solidFill>
                   </a:tcPr>
                 </a:tc>
@@ -5509,23 +5210,16 @@
                     <a:p>
                       <a:pPr algn="ctr" latinLnBrk="1"/>
                       <a:r>
-                        <a:rPr lang="ko-KR" altLang="en-US" dirty="0">
-                          <a:ln>
-                            <a:solidFill>
-                              <a:sysClr val="windowText" lastClr="000000"/>
-                            </a:solidFill>
-                          </a:ln>
+                        <a:rPr lang="ko-KR" altLang="en-US" sz="2000" dirty="0">
                           <a:solidFill>
-                            <a:schemeClr val="accent1">
-                              <a:lumMod val="75000"/>
-                            </a:schemeClr>
+                            <a:sysClr val="windowText" lastClr="000000"/>
                           </a:solidFill>
                         </a:rPr>
-                        <a:t>작성방식</a:t>
+                        <a:t>게임 시작하자마자 발생</a:t>
                       </a:r>
                     </a:p>
                   </a:txBody>
-                  <a:tcPr anchor="ctr">
+                  <a:tcPr>
                     <a:lnL w="12700" cap="flat" cmpd="sng" algn="ctr">
                       <a:solidFill>
                         <a:schemeClr val="tx1"/>
@@ -5562,227 +5256,6 @@
                       <a:headEnd type="none" w="med" len="med"/>
                       <a:tailEnd type="none" w="med" len="med"/>
                     </a:lnB>
-                    <a:lnTlToBr w="12700" cmpd="sng">
-                      <a:noFill/>
-                      <a:prstDash val="solid"/>
-                    </a:lnTlToBr>
-                    <a:lnBlToTr w="12700" cmpd="sng">
-                      <a:noFill/>
-                      <a:prstDash val="solid"/>
-                    </a:lnBlToTr>
-                    <a:solidFill>
-                      <a:schemeClr val="accent1">
-                        <a:lumMod val="60000"/>
-                        <a:lumOff val="40000"/>
-                      </a:schemeClr>
-                    </a:solidFill>
-                  </a:tcPr>
-                </a:tc>
-                <a:extLst>
-                  <a:ext uri="{0D108BD9-81ED-4DB2-BD59-A6C34878D82A}">
-                    <a16:rowId xmlns:a16="http://schemas.microsoft.com/office/drawing/2014/main" val="3904679130"/>
-                  </a:ext>
-                </a:extLst>
-              </a:tr>
-              <a:tr h="370840">
-                <a:tc>
-                  <a:txBody>
-                    <a:bodyPr/>
-                    <a:lstStyle/>
-                    <a:p>
-                      <a:pPr algn="ctr" latinLnBrk="1"/>
-                      <a:r>
-                        <a:rPr lang="ko-KR" altLang="en-US" dirty="0"/>
-                        <a:t>대화 텍스트 출력</a:t>
-                      </a:r>
-                    </a:p>
-                  </a:txBody>
-                  <a:tcPr anchor="ctr">
-                    <a:lnL w="12700" cap="flat" cmpd="sng" algn="ctr">
-                      <a:solidFill>
-                        <a:schemeClr val="tx1"/>
-                      </a:solidFill>
-                      <a:prstDash val="solid"/>
-                      <a:round/>
-                      <a:headEnd type="none" w="med" len="med"/>
-                      <a:tailEnd type="none" w="med" len="med"/>
-                    </a:lnL>
-                    <a:lnR w="12700" cap="flat" cmpd="sng" algn="ctr">
-                      <a:solidFill>
-                        <a:schemeClr val="tx1"/>
-                      </a:solidFill>
-                      <a:prstDash val="solid"/>
-                      <a:round/>
-                      <a:headEnd type="none" w="med" len="med"/>
-                      <a:tailEnd type="none" w="med" len="med"/>
-                    </a:lnR>
-                    <a:lnT w="12700" cap="flat" cmpd="sng" algn="ctr">
-                      <a:solidFill>
-                        <a:schemeClr val="tx1"/>
-                      </a:solidFill>
-                      <a:prstDash val="solid"/>
-                      <a:round/>
-                      <a:headEnd type="none" w="med" len="med"/>
-                      <a:tailEnd type="none" w="med" len="med"/>
-                    </a:lnT>
-                    <a:lnB w="12700" cap="flat" cmpd="sng" algn="ctr">
-                      <a:solidFill>
-                        <a:schemeClr val="tx1"/>
-                      </a:solidFill>
-                      <a:prstDash val="solid"/>
-                      <a:round/>
-                      <a:headEnd type="none" w="med" len="med"/>
-                      <a:tailEnd type="none" w="med" len="med"/>
-                    </a:lnB>
-                    <a:lnTlToBr w="12700" cmpd="sng">
-                      <a:noFill/>
-                      <a:prstDash val="solid"/>
-                    </a:lnTlToBr>
-                    <a:lnBlToTr w="12700" cmpd="sng">
-                      <a:noFill/>
-                      <a:prstDash val="solid"/>
-                    </a:lnBlToTr>
-                    <a:solidFill>
-                      <a:schemeClr val="bg1"/>
-                    </a:solidFill>
-                  </a:tcPr>
-                </a:tc>
-                <a:tc>
-                  <a:txBody>
-                    <a:bodyPr/>
-                    <a:lstStyle/>
-                    <a:p>
-                      <a:pPr algn="ctr" latinLnBrk="1"/>
-                      <a:r>
-                        <a:rPr lang="ko-KR" altLang="en-US" dirty="0"/>
-                        <a:t>캐릭터들의 대화출력 변경을 지시</a:t>
-                      </a:r>
-                    </a:p>
-                  </a:txBody>
-                  <a:tcPr anchor="ctr">
-                    <a:lnL w="12700" cap="flat" cmpd="sng" algn="ctr">
-                      <a:solidFill>
-                        <a:schemeClr val="tx1"/>
-                      </a:solidFill>
-                      <a:prstDash val="solid"/>
-                      <a:round/>
-                      <a:headEnd type="none" w="med" len="med"/>
-                      <a:tailEnd type="none" w="med" len="med"/>
-                    </a:lnL>
-                    <a:lnR w="12700" cap="flat" cmpd="sng" algn="ctr">
-                      <a:solidFill>
-                        <a:schemeClr val="tx1"/>
-                      </a:solidFill>
-                      <a:prstDash val="solid"/>
-                      <a:round/>
-                      <a:headEnd type="none" w="med" len="med"/>
-                      <a:tailEnd type="none" w="med" len="med"/>
-                    </a:lnR>
-                    <a:lnT w="12700" cap="flat" cmpd="sng" algn="ctr">
-                      <a:solidFill>
-                        <a:schemeClr val="tx1"/>
-                      </a:solidFill>
-                      <a:prstDash val="solid"/>
-                      <a:round/>
-                      <a:headEnd type="none" w="med" len="med"/>
-                      <a:tailEnd type="none" w="med" len="med"/>
-                    </a:lnT>
-                    <a:lnB w="12700" cap="flat" cmpd="sng" algn="ctr">
-                      <a:solidFill>
-                        <a:schemeClr val="tx1"/>
-                      </a:solidFill>
-                      <a:prstDash val="solid"/>
-                      <a:round/>
-                      <a:headEnd type="none" w="med" len="med"/>
-                      <a:tailEnd type="none" w="med" len="med"/>
-                    </a:lnB>
-                    <a:lnTlToBr w="12700" cmpd="sng">
-                      <a:noFill/>
-                      <a:prstDash val="solid"/>
-                    </a:lnTlToBr>
-                    <a:lnBlToTr w="12700" cmpd="sng">
-                      <a:noFill/>
-                      <a:prstDash val="solid"/>
-                    </a:lnBlToTr>
-                    <a:solidFill>
-                      <a:schemeClr val="bg1"/>
-                    </a:solidFill>
-                  </a:tcPr>
-                </a:tc>
-                <a:tc>
-                  <a:txBody>
-                    <a:bodyPr/>
-                    <a:lstStyle/>
-                    <a:p>
-                      <a:pPr algn="ctr" latinLnBrk="1"/>
-                      <a:r>
-                        <a:rPr lang="en-US" altLang="ko-KR" dirty="0"/>
-                        <a:t>Text(“</a:t>
-                      </a:r>
-                      <a:r>
-                        <a:rPr lang="ko-KR" altLang="en-US" dirty="0"/>
-                        <a:t>캐릭터명</a:t>
-                      </a:r>
-                      <a:r>
-                        <a:rPr lang="en-US" altLang="ko-KR" dirty="0"/>
-                        <a:t>”, “</a:t>
-                      </a:r>
-                      <a:r>
-                        <a:rPr lang="ko-KR" altLang="en-US" dirty="0"/>
-                        <a:t>텍스트</a:t>
-                      </a:r>
-                      <a:r>
-                        <a:rPr lang="en-US" altLang="ko-KR" dirty="0"/>
-                        <a:t>”)</a:t>
-                      </a:r>
-                      <a:endParaRPr lang="ko-KR" altLang="en-US" dirty="0"/>
-                    </a:p>
-                  </a:txBody>
-                  <a:tcPr anchor="ctr">
-                    <a:lnL w="12700" cap="flat" cmpd="sng" algn="ctr">
-                      <a:solidFill>
-                        <a:schemeClr val="tx1"/>
-                      </a:solidFill>
-                      <a:prstDash val="solid"/>
-                      <a:round/>
-                      <a:headEnd type="none" w="med" len="med"/>
-                      <a:tailEnd type="none" w="med" len="med"/>
-                    </a:lnL>
-                    <a:lnR w="12700" cap="flat" cmpd="sng" algn="ctr">
-                      <a:solidFill>
-                        <a:schemeClr val="tx1"/>
-                      </a:solidFill>
-                      <a:prstDash val="solid"/>
-                      <a:round/>
-                      <a:headEnd type="none" w="med" len="med"/>
-                      <a:tailEnd type="none" w="med" len="med"/>
-                    </a:lnR>
-                    <a:lnT w="12700" cap="flat" cmpd="sng" algn="ctr">
-                      <a:solidFill>
-                        <a:schemeClr val="tx1"/>
-                      </a:solidFill>
-                      <a:prstDash val="solid"/>
-                      <a:round/>
-                      <a:headEnd type="none" w="med" len="med"/>
-                      <a:tailEnd type="none" w="med" len="med"/>
-                    </a:lnT>
-                    <a:lnB w="12700" cap="flat" cmpd="sng" algn="ctr">
-                      <a:solidFill>
-                        <a:schemeClr val="tx1"/>
-                      </a:solidFill>
-                      <a:prstDash val="solid"/>
-                      <a:round/>
-                      <a:headEnd type="none" w="med" len="med"/>
-                      <a:tailEnd type="none" w="med" len="med"/>
-                    </a:lnB>
-                    <a:lnTlToBr w="12700" cmpd="sng">
-                      <a:noFill/>
-                      <a:prstDash val="solid"/>
-                    </a:lnTlToBr>
-                    <a:lnBlToTr w="12700" cmpd="sng">
-                      <a:noFill/>
-                      <a:prstDash val="solid"/>
-                    </a:lnBlToTr>
                     <a:solidFill>
                       <a:schemeClr val="bg1"/>
                     </a:solidFill>
@@ -5790,806 +5263,7 @@
                 </a:tc>
                 <a:extLst>
                   <a:ext uri="{0D108BD9-81ED-4DB2-BD59-A6C34878D82A}">
-                    <a16:rowId xmlns:a16="http://schemas.microsoft.com/office/drawing/2014/main" val="2848462926"/>
-                  </a:ext>
-                </a:extLst>
-              </a:tr>
-              <a:tr h="370840">
-                <a:tc>
-                  <a:txBody>
-                    <a:bodyPr/>
-                    <a:lstStyle/>
-                    <a:p>
-                      <a:pPr algn="ctr" latinLnBrk="1"/>
-                      <a:r>
-                        <a:rPr lang="ko-KR" altLang="en-US" dirty="0"/>
-                        <a:t>초상화 </a:t>
-                      </a:r>
-                      <a:r>
-                        <a:rPr lang="en-US" altLang="ko-KR" dirty="0"/>
-                        <a:t>UI</a:t>
-                      </a:r>
-                      <a:endParaRPr lang="ko-KR" altLang="en-US" dirty="0"/>
-                    </a:p>
-                  </a:txBody>
-                  <a:tcPr anchor="ctr">
-                    <a:lnL w="12700" cap="flat" cmpd="sng" algn="ctr">
-                      <a:solidFill>
-                        <a:schemeClr val="tx1"/>
-                      </a:solidFill>
-                      <a:prstDash val="solid"/>
-                      <a:round/>
-                      <a:headEnd type="none" w="med" len="med"/>
-                      <a:tailEnd type="none" w="med" len="med"/>
-                    </a:lnL>
-                    <a:lnR w="12700" cap="flat" cmpd="sng" algn="ctr">
-                      <a:solidFill>
-                        <a:schemeClr val="tx1"/>
-                      </a:solidFill>
-                      <a:prstDash val="solid"/>
-                      <a:round/>
-                      <a:headEnd type="none" w="med" len="med"/>
-                      <a:tailEnd type="none" w="med" len="med"/>
-                    </a:lnR>
-                    <a:lnT w="12700" cap="flat" cmpd="sng" algn="ctr">
-                      <a:solidFill>
-                        <a:schemeClr val="tx1"/>
-                      </a:solidFill>
-                      <a:prstDash val="solid"/>
-                      <a:round/>
-                      <a:headEnd type="none" w="med" len="med"/>
-                      <a:tailEnd type="none" w="med" len="med"/>
-                    </a:lnT>
-                    <a:lnB w="12700" cap="flat" cmpd="sng" algn="ctr">
-                      <a:solidFill>
-                        <a:schemeClr val="tx1"/>
-                      </a:solidFill>
-                      <a:prstDash val="solid"/>
-                      <a:round/>
-                      <a:headEnd type="none" w="med" len="med"/>
-                      <a:tailEnd type="none" w="med" len="med"/>
-                    </a:lnB>
-                    <a:lnTlToBr w="12700" cmpd="sng">
-                      <a:noFill/>
-                      <a:prstDash val="solid"/>
-                    </a:lnTlToBr>
-                    <a:lnBlToTr w="12700" cmpd="sng">
-                      <a:noFill/>
-                      <a:prstDash val="solid"/>
-                    </a:lnBlToTr>
-                    <a:solidFill>
-                      <a:schemeClr val="bg1"/>
-                    </a:solidFill>
-                  </a:tcPr>
-                </a:tc>
-                <a:tc>
-                  <a:txBody>
-                    <a:bodyPr/>
-                    <a:lstStyle/>
-                    <a:p>
-                      <a:pPr algn="ctr" latinLnBrk="1"/>
-                      <a:r>
-                        <a:rPr lang="ko-KR" altLang="en-US" dirty="0"/>
-                        <a:t>초상화 출력 변경을 지시</a:t>
-                      </a:r>
-                    </a:p>
-                  </a:txBody>
-                  <a:tcPr anchor="ctr">
-                    <a:lnL w="12700" cap="flat" cmpd="sng" algn="ctr">
-                      <a:solidFill>
-                        <a:schemeClr val="tx1"/>
-                      </a:solidFill>
-                      <a:prstDash val="solid"/>
-                      <a:round/>
-                      <a:headEnd type="none" w="med" len="med"/>
-                      <a:tailEnd type="none" w="med" len="med"/>
-                    </a:lnL>
-                    <a:lnR w="12700" cap="flat" cmpd="sng" algn="ctr">
-                      <a:solidFill>
-                        <a:schemeClr val="tx1"/>
-                      </a:solidFill>
-                      <a:prstDash val="solid"/>
-                      <a:round/>
-                      <a:headEnd type="none" w="med" len="med"/>
-                      <a:tailEnd type="none" w="med" len="med"/>
-                    </a:lnR>
-                    <a:lnT w="12700" cap="flat" cmpd="sng" algn="ctr">
-                      <a:solidFill>
-                        <a:schemeClr val="tx1"/>
-                      </a:solidFill>
-                      <a:prstDash val="solid"/>
-                      <a:round/>
-                      <a:headEnd type="none" w="med" len="med"/>
-                      <a:tailEnd type="none" w="med" len="med"/>
-                    </a:lnT>
-                    <a:lnB w="12700" cap="flat" cmpd="sng" algn="ctr">
-                      <a:solidFill>
-                        <a:schemeClr val="tx1"/>
-                      </a:solidFill>
-                      <a:prstDash val="solid"/>
-                      <a:round/>
-                      <a:headEnd type="none" w="med" len="med"/>
-                      <a:tailEnd type="none" w="med" len="med"/>
-                    </a:lnB>
-                    <a:lnTlToBr w="12700" cmpd="sng">
-                      <a:noFill/>
-                      <a:prstDash val="solid"/>
-                    </a:lnTlToBr>
-                    <a:lnBlToTr w="12700" cmpd="sng">
-                      <a:noFill/>
-                      <a:prstDash val="solid"/>
-                    </a:lnBlToTr>
-                    <a:solidFill>
-                      <a:schemeClr val="bg1"/>
-                    </a:solidFill>
-                  </a:tcPr>
-                </a:tc>
-                <a:tc>
-                  <a:txBody>
-                    <a:bodyPr/>
-                    <a:lstStyle/>
-                    <a:p>
-                      <a:pPr algn="ctr" latinLnBrk="1"/>
-                      <a:r>
-                        <a:rPr lang="en-US" altLang="ko-KR" dirty="0" err="1"/>
-                        <a:t>Prt</a:t>
-                      </a:r>
-                      <a:r>
-                        <a:rPr lang="en-US" altLang="ko-KR" dirty="0"/>
-                        <a:t>(“</a:t>
-                      </a:r>
-                      <a:r>
-                        <a:rPr lang="ko-KR" altLang="en-US" dirty="0"/>
-                        <a:t>초상화 번호</a:t>
-                      </a:r>
-                      <a:r>
-                        <a:rPr lang="en-US" altLang="ko-KR" dirty="0"/>
-                        <a:t>”, “</a:t>
-                      </a:r>
-                      <a:r>
-                        <a:rPr lang="ko-KR" altLang="en-US" dirty="0"/>
-                        <a:t>출력할 초상화</a:t>
-                      </a:r>
-                      <a:r>
-                        <a:rPr lang="en-US" altLang="ko-KR" dirty="0"/>
-                        <a:t> </a:t>
-                      </a:r>
-                      <a:r>
-                        <a:rPr lang="ko-KR" altLang="en-US" dirty="0"/>
-                        <a:t>이름</a:t>
-                      </a:r>
-                      <a:r>
-                        <a:rPr lang="en-US" altLang="ko-KR" dirty="0"/>
-                        <a:t>”)</a:t>
-                      </a:r>
-                      <a:endParaRPr lang="ko-KR" altLang="en-US" dirty="0"/>
-                    </a:p>
-                  </a:txBody>
-                  <a:tcPr anchor="ctr">
-                    <a:lnL w="12700" cap="flat" cmpd="sng" algn="ctr">
-                      <a:solidFill>
-                        <a:schemeClr val="tx1"/>
-                      </a:solidFill>
-                      <a:prstDash val="solid"/>
-                      <a:round/>
-                      <a:headEnd type="none" w="med" len="med"/>
-                      <a:tailEnd type="none" w="med" len="med"/>
-                    </a:lnL>
-                    <a:lnR w="12700" cap="flat" cmpd="sng" algn="ctr">
-                      <a:solidFill>
-                        <a:schemeClr val="tx1"/>
-                      </a:solidFill>
-                      <a:prstDash val="solid"/>
-                      <a:round/>
-                      <a:headEnd type="none" w="med" len="med"/>
-                      <a:tailEnd type="none" w="med" len="med"/>
-                    </a:lnR>
-                    <a:lnT w="12700" cap="flat" cmpd="sng" algn="ctr">
-                      <a:solidFill>
-                        <a:schemeClr val="tx1"/>
-                      </a:solidFill>
-                      <a:prstDash val="solid"/>
-                      <a:round/>
-                      <a:headEnd type="none" w="med" len="med"/>
-                      <a:tailEnd type="none" w="med" len="med"/>
-                    </a:lnT>
-                    <a:lnB w="12700" cap="flat" cmpd="sng" algn="ctr">
-                      <a:solidFill>
-                        <a:schemeClr val="tx1"/>
-                      </a:solidFill>
-                      <a:prstDash val="solid"/>
-                      <a:round/>
-                      <a:headEnd type="none" w="med" len="med"/>
-                      <a:tailEnd type="none" w="med" len="med"/>
-                    </a:lnB>
-                    <a:lnTlToBr w="12700" cmpd="sng">
-                      <a:noFill/>
-                      <a:prstDash val="solid"/>
-                    </a:lnTlToBr>
-                    <a:lnBlToTr w="12700" cmpd="sng">
-                      <a:noFill/>
-                      <a:prstDash val="solid"/>
-                    </a:lnBlToTr>
-                    <a:solidFill>
-                      <a:schemeClr val="bg1"/>
-                    </a:solidFill>
-                  </a:tcPr>
-                </a:tc>
-                <a:extLst>
-                  <a:ext uri="{0D108BD9-81ED-4DB2-BD59-A6C34878D82A}">
-                    <a16:rowId xmlns:a16="http://schemas.microsoft.com/office/drawing/2014/main" val="1234540919"/>
-                  </a:ext>
-                </a:extLst>
-              </a:tr>
-              <a:tr h="370840">
-                <a:tc>
-                  <a:txBody>
-                    <a:bodyPr/>
-                    <a:lstStyle/>
-                    <a:p>
-                      <a:pPr algn="ctr" latinLnBrk="1"/>
-                      <a:r>
-                        <a:rPr lang="ko-KR" altLang="en-US" dirty="0"/>
-                        <a:t>카메라 위치</a:t>
-                      </a:r>
-                    </a:p>
-                  </a:txBody>
-                  <a:tcPr anchor="ctr">
-                    <a:lnL w="12700" cap="flat" cmpd="sng" algn="ctr">
-                      <a:solidFill>
-                        <a:schemeClr val="tx1"/>
-                      </a:solidFill>
-                      <a:prstDash val="solid"/>
-                      <a:round/>
-                      <a:headEnd type="none" w="med" len="med"/>
-                      <a:tailEnd type="none" w="med" len="med"/>
-                    </a:lnL>
-                    <a:lnR w="12700" cap="flat" cmpd="sng" algn="ctr">
-                      <a:solidFill>
-                        <a:schemeClr val="tx1"/>
-                      </a:solidFill>
-                      <a:prstDash val="solid"/>
-                      <a:round/>
-                      <a:headEnd type="none" w="med" len="med"/>
-                      <a:tailEnd type="none" w="med" len="med"/>
-                    </a:lnR>
-                    <a:lnT w="12700" cap="flat" cmpd="sng" algn="ctr">
-                      <a:solidFill>
-                        <a:schemeClr val="tx1"/>
-                      </a:solidFill>
-                      <a:prstDash val="solid"/>
-                      <a:round/>
-                      <a:headEnd type="none" w="med" len="med"/>
-                      <a:tailEnd type="none" w="med" len="med"/>
-                    </a:lnT>
-                    <a:lnB w="12700" cap="flat" cmpd="sng" algn="ctr">
-                      <a:solidFill>
-                        <a:schemeClr val="tx1"/>
-                      </a:solidFill>
-                      <a:prstDash val="solid"/>
-                      <a:round/>
-                      <a:headEnd type="none" w="med" len="med"/>
-                      <a:tailEnd type="none" w="med" len="med"/>
-                    </a:lnB>
-                    <a:lnTlToBr w="12700" cmpd="sng">
-                      <a:noFill/>
-                      <a:prstDash val="solid"/>
-                    </a:lnTlToBr>
-                    <a:lnBlToTr w="12700" cmpd="sng">
-                      <a:noFill/>
-                      <a:prstDash val="solid"/>
-                    </a:lnBlToTr>
-                    <a:solidFill>
-                      <a:schemeClr val="bg1"/>
-                    </a:solidFill>
-                  </a:tcPr>
-                </a:tc>
-                <a:tc>
-                  <a:txBody>
-                    <a:bodyPr/>
-                    <a:lstStyle/>
-                    <a:p>
-                      <a:pPr algn="ctr" latinLnBrk="1"/>
-                      <a:r>
-                        <a:rPr lang="ko-KR" altLang="en-US" dirty="0"/>
-                        <a:t>카메라 위치에 대한 세부사항을 지시</a:t>
-                      </a:r>
-                    </a:p>
-                  </a:txBody>
-                  <a:tcPr anchor="ctr">
-                    <a:lnL w="12700" cap="flat" cmpd="sng" algn="ctr">
-                      <a:solidFill>
-                        <a:schemeClr val="tx1"/>
-                      </a:solidFill>
-                      <a:prstDash val="solid"/>
-                      <a:round/>
-                      <a:headEnd type="none" w="med" len="med"/>
-                      <a:tailEnd type="none" w="med" len="med"/>
-                    </a:lnL>
-                    <a:lnR w="12700" cap="flat" cmpd="sng" algn="ctr">
-                      <a:solidFill>
-                        <a:schemeClr val="tx1"/>
-                      </a:solidFill>
-                      <a:prstDash val="solid"/>
-                      <a:round/>
-                      <a:headEnd type="none" w="med" len="med"/>
-                      <a:tailEnd type="none" w="med" len="med"/>
-                    </a:lnR>
-                    <a:lnT w="12700" cap="flat" cmpd="sng" algn="ctr">
-                      <a:solidFill>
-                        <a:schemeClr val="tx1"/>
-                      </a:solidFill>
-                      <a:prstDash val="solid"/>
-                      <a:round/>
-                      <a:headEnd type="none" w="med" len="med"/>
-                      <a:tailEnd type="none" w="med" len="med"/>
-                    </a:lnT>
-                    <a:lnB w="12700" cap="flat" cmpd="sng" algn="ctr">
-                      <a:solidFill>
-                        <a:schemeClr val="tx1"/>
-                      </a:solidFill>
-                      <a:prstDash val="solid"/>
-                      <a:round/>
-                      <a:headEnd type="none" w="med" len="med"/>
-                      <a:tailEnd type="none" w="med" len="med"/>
-                    </a:lnB>
-                    <a:lnTlToBr w="12700" cmpd="sng">
-                      <a:noFill/>
-                      <a:prstDash val="solid"/>
-                    </a:lnTlToBr>
-                    <a:lnBlToTr w="12700" cmpd="sng">
-                      <a:noFill/>
-                      <a:prstDash val="solid"/>
-                    </a:lnBlToTr>
-                    <a:solidFill>
-                      <a:schemeClr val="bg1"/>
-                    </a:solidFill>
-                  </a:tcPr>
-                </a:tc>
-                <a:tc>
-                  <a:txBody>
-                    <a:bodyPr/>
-                    <a:lstStyle/>
-                    <a:p>
-                      <a:pPr algn="ctr" latinLnBrk="1"/>
-                      <a:r>
-                        <a:rPr lang="en-US" altLang="ko-KR" dirty="0"/>
-                        <a:t>Loc(“x”, “y”, “z”)</a:t>
-                      </a:r>
-                      <a:endParaRPr lang="ko-KR" altLang="en-US" dirty="0"/>
-                    </a:p>
-                  </a:txBody>
-                  <a:tcPr anchor="ctr">
-                    <a:lnL w="12700" cap="flat" cmpd="sng" algn="ctr">
-                      <a:solidFill>
-                        <a:schemeClr val="tx1"/>
-                      </a:solidFill>
-                      <a:prstDash val="solid"/>
-                      <a:round/>
-                      <a:headEnd type="none" w="med" len="med"/>
-                      <a:tailEnd type="none" w="med" len="med"/>
-                    </a:lnL>
-                    <a:lnR w="12700" cap="flat" cmpd="sng" algn="ctr">
-                      <a:solidFill>
-                        <a:schemeClr val="tx1"/>
-                      </a:solidFill>
-                      <a:prstDash val="solid"/>
-                      <a:round/>
-                      <a:headEnd type="none" w="med" len="med"/>
-                      <a:tailEnd type="none" w="med" len="med"/>
-                    </a:lnR>
-                    <a:lnT w="12700" cap="flat" cmpd="sng" algn="ctr">
-                      <a:solidFill>
-                        <a:schemeClr val="tx1"/>
-                      </a:solidFill>
-                      <a:prstDash val="solid"/>
-                      <a:round/>
-                      <a:headEnd type="none" w="med" len="med"/>
-                      <a:tailEnd type="none" w="med" len="med"/>
-                    </a:lnT>
-                    <a:lnB w="12700" cap="flat" cmpd="sng" algn="ctr">
-                      <a:solidFill>
-                        <a:schemeClr val="tx1"/>
-                      </a:solidFill>
-                      <a:prstDash val="solid"/>
-                      <a:round/>
-                      <a:headEnd type="none" w="med" len="med"/>
-                      <a:tailEnd type="none" w="med" len="med"/>
-                    </a:lnB>
-                    <a:lnTlToBr w="12700" cmpd="sng">
-                      <a:noFill/>
-                      <a:prstDash val="solid"/>
-                    </a:lnTlToBr>
-                    <a:lnBlToTr w="12700" cmpd="sng">
-                      <a:noFill/>
-                      <a:prstDash val="solid"/>
-                    </a:lnBlToTr>
-                    <a:solidFill>
-                      <a:schemeClr val="bg1"/>
-                    </a:solidFill>
-                  </a:tcPr>
-                </a:tc>
-                <a:extLst>
-                  <a:ext uri="{0D108BD9-81ED-4DB2-BD59-A6C34878D82A}">
-                    <a16:rowId xmlns:a16="http://schemas.microsoft.com/office/drawing/2014/main" val="1448645170"/>
-                  </a:ext>
-                </a:extLst>
-              </a:tr>
-              <a:tr h="370840">
-                <a:tc>
-                  <a:txBody>
-                    <a:bodyPr/>
-                    <a:lstStyle/>
-                    <a:p>
-                      <a:pPr algn="ctr" latinLnBrk="1"/>
-                      <a:r>
-                        <a:rPr lang="ko-KR" altLang="en-US" dirty="0"/>
-                        <a:t>카메라 각도</a:t>
-                      </a:r>
-                    </a:p>
-                  </a:txBody>
-                  <a:tcPr anchor="ctr">
-                    <a:lnL w="12700" cap="flat" cmpd="sng" algn="ctr">
-                      <a:solidFill>
-                        <a:schemeClr val="tx1"/>
-                      </a:solidFill>
-                      <a:prstDash val="solid"/>
-                      <a:round/>
-                      <a:headEnd type="none" w="med" len="med"/>
-                      <a:tailEnd type="none" w="med" len="med"/>
-                    </a:lnL>
-                    <a:lnR w="12700" cap="flat" cmpd="sng" algn="ctr">
-                      <a:solidFill>
-                        <a:schemeClr val="tx1"/>
-                      </a:solidFill>
-                      <a:prstDash val="solid"/>
-                      <a:round/>
-                      <a:headEnd type="none" w="med" len="med"/>
-                      <a:tailEnd type="none" w="med" len="med"/>
-                    </a:lnR>
-                    <a:lnT w="12700" cap="flat" cmpd="sng" algn="ctr">
-                      <a:solidFill>
-                        <a:schemeClr val="tx1"/>
-                      </a:solidFill>
-                      <a:prstDash val="solid"/>
-                      <a:round/>
-                      <a:headEnd type="none" w="med" len="med"/>
-                      <a:tailEnd type="none" w="med" len="med"/>
-                    </a:lnT>
-                    <a:lnB w="12700" cap="flat" cmpd="sng" algn="ctr">
-                      <a:solidFill>
-                        <a:schemeClr val="tx1"/>
-                      </a:solidFill>
-                      <a:prstDash val="solid"/>
-                      <a:round/>
-                      <a:headEnd type="none" w="med" len="med"/>
-                      <a:tailEnd type="none" w="med" len="med"/>
-                    </a:lnB>
-                    <a:lnTlToBr w="12700" cmpd="sng">
-                      <a:noFill/>
-                      <a:prstDash val="solid"/>
-                    </a:lnTlToBr>
-                    <a:lnBlToTr w="12700" cmpd="sng">
-                      <a:noFill/>
-                      <a:prstDash val="solid"/>
-                    </a:lnBlToTr>
-                    <a:solidFill>
-                      <a:schemeClr val="bg1"/>
-                    </a:solidFill>
-                  </a:tcPr>
-                </a:tc>
-                <a:tc>
-                  <a:txBody>
-                    <a:bodyPr/>
-                    <a:lstStyle/>
-                    <a:p>
-                      <a:pPr algn="ctr" latinLnBrk="1"/>
-                      <a:r>
-                        <a:rPr lang="ko-KR" altLang="en-US" dirty="0"/>
-                        <a:t>카메라 각도에 대한 세부사항을 지시</a:t>
-                      </a:r>
-                    </a:p>
-                  </a:txBody>
-                  <a:tcPr anchor="ctr">
-                    <a:lnL w="12700" cap="flat" cmpd="sng" algn="ctr">
-                      <a:solidFill>
-                        <a:schemeClr val="tx1"/>
-                      </a:solidFill>
-                      <a:prstDash val="solid"/>
-                      <a:round/>
-                      <a:headEnd type="none" w="med" len="med"/>
-                      <a:tailEnd type="none" w="med" len="med"/>
-                    </a:lnL>
-                    <a:lnR w="12700" cap="flat" cmpd="sng" algn="ctr">
-                      <a:solidFill>
-                        <a:schemeClr val="tx1"/>
-                      </a:solidFill>
-                      <a:prstDash val="solid"/>
-                      <a:round/>
-                      <a:headEnd type="none" w="med" len="med"/>
-                      <a:tailEnd type="none" w="med" len="med"/>
-                    </a:lnR>
-                    <a:lnT w="12700" cap="flat" cmpd="sng" algn="ctr">
-                      <a:solidFill>
-                        <a:schemeClr val="tx1"/>
-                      </a:solidFill>
-                      <a:prstDash val="solid"/>
-                      <a:round/>
-                      <a:headEnd type="none" w="med" len="med"/>
-                      <a:tailEnd type="none" w="med" len="med"/>
-                    </a:lnT>
-                    <a:lnB w="12700" cap="flat" cmpd="sng" algn="ctr">
-                      <a:solidFill>
-                        <a:schemeClr val="tx1"/>
-                      </a:solidFill>
-                      <a:prstDash val="solid"/>
-                      <a:round/>
-                      <a:headEnd type="none" w="med" len="med"/>
-                      <a:tailEnd type="none" w="med" len="med"/>
-                    </a:lnB>
-                    <a:lnTlToBr w="12700" cmpd="sng">
-                      <a:noFill/>
-                      <a:prstDash val="solid"/>
-                    </a:lnTlToBr>
-                    <a:lnBlToTr w="12700" cmpd="sng">
-                      <a:noFill/>
-                      <a:prstDash val="solid"/>
-                    </a:lnBlToTr>
-                    <a:solidFill>
-                      <a:schemeClr val="bg1"/>
-                    </a:solidFill>
-                  </a:tcPr>
-                </a:tc>
-                <a:tc>
-                  <a:txBody>
-                    <a:bodyPr/>
-                    <a:lstStyle/>
-                    <a:p>
-                      <a:pPr algn="ctr" latinLnBrk="1"/>
-                      <a:r>
-                        <a:rPr lang="en-US" altLang="ko-KR" dirty="0"/>
-                        <a:t>Rot(“x”, “y”, “z”)</a:t>
-                      </a:r>
-                      <a:endParaRPr lang="ko-KR" altLang="en-US" dirty="0"/>
-                    </a:p>
-                  </a:txBody>
-                  <a:tcPr anchor="ctr">
-                    <a:lnL w="12700" cap="flat" cmpd="sng" algn="ctr">
-                      <a:solidFill>
-                        <a:schemeClr val="tx1"/>
-                      </a:solidFill>
-                      <a:prstDash val="solid"/>
-                      <a:round/>
-                      <a:headEnd type="none" w="med" len="med"/>
-                      <a:tailEnd type="none" w="med" len="med"/>
-                    </a:lnL>
-                    <a:lnR w="12700" cap="flat" cmpd="sng" algn="ctr">
-                      <a:solidFill>
-                        <a:schemeClr val="tx1"/>
-                      </a:solidFill>
-                      <a:prstDash val="solid"/>
-                      <a:round/>
-                      <a:headEnd type="none" w="med" len="med"/>
-                      <a:tailEnd type="none" w="med" len="med"/>
-                    </a:lnR>
-                    <a:lnT w="12700" cap="flat" cmpd="sng" algn="ctr">
-                      <a:solidFill>
-                        <a:schemeClr val="tx1"/>
-                      </a:solidFill>
-                      <a:prstDash val="solid"/>
-                      <a:round/>
-                      <a:headEnd type="none" w="med" len="med"/>
-                      <a:tailEnd type="none" w="med" len="med"/>
-                    </a:lnT>
-                    <a:lnB w="12700" cap="flat" cmpd="sng" algn="ctr">
-                      <a:solidFill>
-                        <a:schemeClr val="tx1"/>
-                      </a:solidFill>
-                      <a:prstDash val="solid"/>
-                      <a:round/>
-                      <a:headEnd type="none" w="med" len="med"/>
-                      <a:tailEnd type="none" w="med" len="med"/>
-                    </a:lnB>
-                    <a:lnTlToBr w="12700" cmpd="sng">
-                      <a:noFill/>
-                      <a:prstDash val="solid"/>
-                    </a:lnTlToBr>
-                    <a:lnBlToTr w="12700" cmpd="sng">
-                      <a:noFill/>
-                      <a:prstDash val="solid"/>
-                    </a:lnBlToTr>
-                    <a:solidFill>
-                      <a:schemeClr val="bg1"/>
-                    </a:solidFill>
-                  </a:tcPr>
-                </a:tc>
-                <a:extLst>
-                  <a:ext uri="{0D108BD9-81ED-4DB2-BD59-A6C34878D82A}">
-                    <a16:rowId xmlns:a16="http://schemas.microsoft.com/office/drawing/2014/main" val="3111388644"/>
-                  </a:ext>
-                </a:extLst>
-              </a:tr>
-              <a:tr h="370840">
-                <a:tc>
-                  <a:txBody>
-                    <a:bodyPr/>
-                    <a:lstStyle/>
-                    <a:p>
-                      <a:pPr algn="ctr" latinLnBrk="1"/>
-                      <a:endParaRPr lang="ko-KR" altLang="en-US" dirty="0"/>
-                    </a:p>
-                  </a:txBody>
-                  <a:tcPr anchor="ctr">
-                    <a:lnL w="12700" cap="flat" cmpd="sng" algn="ctr">
-                      <a:solidFill>
-                        <a:schemeClr val="tx1"/>
-                      </a:solidFill>
-                      <a:prstDash val="solid"/>
-                      <a:round/>
-                      <a:headEnd type="none" w="med" len="med"/>
-                      <a:tailEnd type="none" w="med" len="med"/>
-                    </a:lnL>
-                    <a:lnR w="12700" cap="flat" cmpd="sng" algn="ctr">
-                      <a:solidFill>
-                        <a:schemeClr val="tx1"/>
-                      </a:solidFill>
-                      <a:prstDash val="solid"/>
-                      <a:round/>
-                      <a:headEnd type="none" w="med" len="med"/>
-                      <a:tailEnd type="none" w="med" len="med"/>
-                    </a:lnR>
-                    <a:lnT w="12700" cap="flat" cmpd="sng" algn="ctr">
-                      <a:solidFill>
-                        <a:schemeClr val="tx1"/>
-                      </a:solidFill>
-                      <a:prstDash val="solid"/>
-                      <a:round/>
-                      <a:headEnd type="none" w="med" len="med"/>
-                      <a:tailEnd type="none" w="med" len="med"/>
-                    </a:lnT>
-                    <a:lnB w="12700" cap="flat" cmpd="sng" algn="ctr">
-                      <a:solidFill>
-                        <a:schemeClr val="tx1"/>
-                      </a:solidFill>
-                      <a:prstDash val="solid"/>
-                      <a:round/>
-                      <a:headEnd type="none" w="med" len="med"/>
-                      <a:tailEnd type="none" w="med" len="med"/>
-                    </a:lnB>
-                    <a:lnTlToBr w="12700" cmpd="sng">
-                      <a:noFill/>
-                      <a:prstDash val="solid"/>
-                    </a:lnTlToBr>
-                    <a:lnBlToTr w="12700" cmpd="sng">
-                      <a:noFill/>
-                      <a:prstDash val="solid"/>
-                    </a:lnBlToTr>
-                    <a:solidFill>
-                      <a:schemeClr val="bg1"/>
-                    </a:solidFill>
-                  </a:tcPr>
-                </a:tc>
-                <a:tc>
-                  <a:txBody>
-                    <a:bodyPr/>
-                    <a:lstStyle/>
-                    <a:p>
-                      <a:pPr algn="ctr" latinLnBrk="1"/>
-                      <a:endParaRPr lang="ko-KR" altLang="en-US" dirty="0"/>
-                    </a:p>
-                  </a:txBody>
-                  <a:tcPr anchor="ctr">
-                    <a:lnL w="12700" cap="flat" cmpd="sng" algn="ctr">
-                      <a:solidFill>
-                        <a:schemeClr val="tx1"/>
-                      </a:solidFill>
-                      <a:prstDash val="solid"/>
-                      <a:round/>
-                      <a:headEnd type="none" w="med" len="med"/>
-                      <a:tailEnd type="none" w="med" len="med"/>
-                    </a:lnL>
-                    <a:lnR w="12700" cap="flat" cmpd="sng" algn="ctr">
-                      <a:solidFill>
-                        <a:schemeClr val="tx1"/>
-                      </a:solidFill>
-                      <a:prstDash val="solid"/>
-                      <a:round/>
-                      <a:headEnd type="none" w="med" len="med"/>
-                      <a:tailEnd type="none" w="med" len="med"/>
-                    </a:lnR>
-                    <a:lnT w="12700" cap="flat" cmpd="sng" algn="ctr">
-                      <a:solidFill>
-                        <a:schemeClr val="tx1"/>
-                      </a:solidFill>
-                      <a:prstDash val="solid"/>
-                      <a:round/>
-                      <a:headEnd type="none" w="med" len="med"/>
-                      <a:tailEnd type="none" w="med" len="med"/>
-                    </a:lnT>
-                    <a:lnB w="12700" cap="flat" cmpd="sng" algn="ctr">
-                      <a:solidFill>
-                        <a:schemeClr val="tx1"/>
-                      </a:solidFill>
-                      <a:prstDash val="solid"/>
-                      <a:round/>
-                      <a:headEnd type="none" w="med" len="med"/>
-                      <a:tailEnd type="none" w="med" len="med"/>
-                    </a:lnB>
-                    <a:lnTlToBr w="12700" cmpd="sng">
-                      <a:noFill/>
-                      <a:prstDash val="solid"/>
-                    </a:lnTlToBr>
-                    <a:lnBlToTr w="12700" cmpd="sng">
-                      <a:noFill/>
-                      <a:prstDash val="solid"/>
-                    </a:lnBlToTr>
-                    <a:solidFill>
-                      <a:schemeClr val="bg1"/>
-                    </a:solidFill>
-                  </a:tcPr>
-                </a:tc>
-                <a:tc>
-                  <a:txBody>
-                    <a:bodyPr/>
-                    <a:lstStyle/>
-                    <a:p>
-                      <a:pPr algn="ctr" latinLnBrk="1"/>
-                      <a:endParaRPr lang="ko-KR" altLang="en-US" dirty="0"/>
-                    </a:p>
-                  </a:txBody>
-                  <a:tcPr anchor="ctr">
-                    <a:lnL w="12700" cap="flat" cmpd="sng" algn="ctr">
-                      <a:solidFill>
-                        <a:schemeClr val="tx1"/>
-                      </a:solidFill>
-                      <a:prstDash val="solid"/>
-                      <a:round/>
-                      <a:headEnd type="none" w="med" len="med"/>
-                      <a:tailEnd type="none" w="med" len="med"/>
-                    </a:lnL>
-                    <a:lnR w="12700" cap="flat" cmpd="sng" algn="ctr">
-                      <a:solidFill>
-                        <a:schemeClr val="tx1"/>
-                      </a:solidFill>
-                      <a:prstDash val="solid"/>
-                      <a:round/>
-                      <a:headEnd type="none" w="med" len="med"/>
-                      <a:tailEnd type="none" w="med" len="med"/>
-                    </a:lnR>
-                    <a:lnT w="12700" cap="flat" cmpd="sng" algn="ctr">
-                      <a:solidFill>
-                        <a:schemeClr val="tx1"/>
-                      </a:solidFill>
-                      <a:prstDash val="solid"/>
-                      <a:round/>
-                      <a:headEnd type="none" w="med" len="med"/>
-                      <a:tailEnd type="none" w="med" len="med"/>
-                    </a:lnT>
-                    <a:lnB w="12700" cap="flat" cmpd="sng" algn="ctr">
-                      <a:solidFill>
-                        <a:schemeClr val="tx1"/>
-                      </a:solidFill>
-                      <a:prstDash val="solid"/>
-                      <a:round/>
-                      <a:headEnd type="none" w="med" len="med"/>
-                      <a:tailEnd type="none" w="med" len="med"/>
-                    </a:lnB>
-                    <a:lnTlToBr w="12700" cmpd="sng">
-                      <a:noFill/>
-                      <a:prstDash val="solid"/>
-                    </a:lnTlToBr>
-                    <a:lnBlToTr w="12700" cmpd="sng">
-                      <a:noFill/>
-                      <a:prstDash val="solid"/>
-                    </a:lnBlToTr>
-                    <a:solidFill>
-                      <a:schemeClr val="bg1"/>
-                    </a:solidFill>
-                  </a:tcPr>
-                </a:tc>
-                <a:extLst>
-                  <a:ext uri="{0D108BD9-81ED-4DB2-BD59-A6C34878D82A}">
-                    <a16:rowId xmlns:a16="http://schemas.microsoft.com/office/drawing/2014/main" val="3780462031"/>
+                    <a16:rowId xmlns:a16="http://schemas.microsoft.com/office/drawing/2014/main" val="4262681384"/>
                   </a:ext>
                 </a:extLst>
               </a:tr>
@@ -6600,7 +5274,7 @@
     </p:spTree>
     <p:extLst>
       <p:ext uri="{BB962C8B-B14F-4D97-AF65-F5344CB8AC3E}">
-        <p14:creationId xmlns:p14="http://schemas.microsoft.com/office/powerpoint/2010/main" val="3256396586"/>
+        <p14:creationId xmlns:p14="http://schemas.microsoft.com/office/powerpoint/2010/main" val="4033536387"/>
       </p:ext>
     </p:extLst>
   </p:cSld>
